--- a/lectures/09_SML/09_3_Classification.pptx
+++ b/lectures/09_SML/09_3_Classification.pptx
@@ -231,7 +231,7 @@
           <a:p>
             <a:fld id="{CC7A41CC-C61C-2F43-A643-7ED1F9C31B07}" type="datetimeFigureOut">
               <a:rPr lang="it-IT" smtClean="0"/>
-              <a:t>27/10/23</a:t>
+              <a:t>02/11/23</a:t>
             </a:fld>
             <a:endParaRPr lang="it-IT" dirty="0"/>
           </a:p>
@@ -7654,8 +7654,8 @@
         </p:nvSpPr>
         <p:spPr>
           <a:xfrm>
-            <a:off x="838200" y="1531044"/>
-            <a:ext cx="8308011" cy="3005951"/>
+            <a:off x="838200" y="2075562"/>
+            <a:ext cx="6642253" cy="2977225"/>
           </a:xfrm>
           <a:prstGeom prst="rect">
             <a:avLst/>
@@ -7683,7 +7683,7 @@
               </a:tabLst>
             </a:pPr>
             <a:r>
-              <a:rPr lang="en-GB" sz="2800" spc="-5" dirty="0">
+              <a:rPr lang="en-GB" sz="2600" spc="-5" dirty="0">
                 <a:cs typeface="Calibri"/>
               </a:rPr>
               <a:t>Build the decision tree incrementally</a:t>
@@ -7706,7 +7706,7 @@
               </a:tabLst>
             </a:pPr>
             <a:r>
-              <a:rPr lang="en-GB" sz="2800" spc="-5" dirty="0">
+              <a:rPr lang="en-GB" sz="2600" spc="-5" dirty="0">
                 <a:cs typeface="Calibri"/>
               </a:rPr>
               <a:t>The final tree must be identical (with high probability) to a  tree built using a batch decision tree algorithm</a:t>
@@ -7729,40 +7729,20 @@
               </a:tabLst>
             </a:pPr>
             <a:r>
-              <a:rPr lang="en-GB" sz="2800" spc="-5" dirty="0">
+              <a:rPr lang="en-GB" sz="2600" spc="-5" dirty="0">
                 <a:cs typeface="Calibri"/>
               </a:rPr>
               <a:t>With theoretical guarantees on the error rate</a:t>
             </a:r>
-          </a:p>
-          <a:p>
-            <a:pPr marL="469900" indent="-457200">
-              <a:lnSpc>
-                <a:spcPct val="100000"/>
-              </a:lnSpc>
-              <a:spcBef>
-                <a:spcPts val="100"/>
-              </a:spcBef>
-              <a:buSzPct val="75000"/>
-              <a:buFont typeface="Arial" panose="020B0604020202020204" pitchFamily="34" charset="0"/>
-              <a:buChar char="•"/>
-              <a:tabLst>
-                <a:tab pos="354965" algn="l"/>
-                <a:tab pos="355600" algn="l"/>
-              </a:tabLst>
-            </a:pPr>
-            <a:endParaRPr lang="en-GB" sz="2400" spc="-5" dirty="0">
-              <a:cs typeface="Calibri"/>
-            </a:endParaRPr>
           </a:p>
         </p:txBody>
       </p:sp>
       <p:grpSp>
         <p:nvGrpSpPr>
-          <p:cNvPr id="36" name="Gruppo 35">
+          <p:cNvPr id="10" name="Gruppo 9">
             <a:extLst>
               <a:ext uri="{FF2B5EF4-FFF2-40B4-BE49-F238E27FC236}">
-                <a16:creationId xmlns:a16="http://schemas.microsoft.com/office/drawing/2014/main" id="{EB322D20-176B-D818-A495-799775C6E4BE}"/>
+                <a16:creationId xmlns:a16="http://schemas.microsoft.com/office/drawing/2014/main" id="{9A0C378D-2C6C-91BE-A268-49E8A140D8F2}"/>
               </a:ext>
             </a:extLst>
           </p:cNvPr>
@@ -7771,228 +7751,413 @@
         </p:nvGrpSpPr>
         <p:grpSpPr>
           <a:xfrm>
-            <a:off x="9293805" y="1225447"/>
-            <a:ext cx="2147192" cy="4101508"/>
-            <a:chOff x="9293805" y="1225447"/>
-            <a:chExt cx="2147192" cy="4101508"/>
+            <a:off x="7788924" y="2161718"/>
+            <a:ext cx="4416989" cy="2891069"/>
+            <a:chOff x="2944793" y="3791122"/>
+            <a:chExt cx="3428513" cy="2252051"/>
           </a:xfrm>
         </p:grpSpPr>
         <p:pic>
           <p:nvPicPr>
-            <p:cNvPr id="30" name="object 42">
+            <p:cNvPr id="11" name="Picture 6" descr="Groot's Evolution in the MCU (2014-2023) Guardians of the Galaxy - YouTube">
               <a:extLst>
                 <a:ext uri="{FF2B5EF4-FFF2-40B4-BE49-F238E27FC236}">
-                  <a16:creationId xmlns:a16="http://schemas.microsoft.com/office/drawing/2014/main" id="{90C7E925-8538-499A-FFC6-12DD767E9794}"/>
-                </a:ext>
-              </a:extLst>
-            </p:cNvPr>
-            <p:cNvPicPr/>
-            <p:nvPr/>
-          </p:nvPicPr>
-          <p:blipFill>
-            <a:blip r:embed="rId3" cstate="print"/>
-            <a:stretch>
-              <a:fillRect/>
-            </a:stretch>
-          </p:blipFill>
-          <p:spPr>
-            <a:xfrm>
-              <a:off x="9882571" y="1802311"/>
-              <a:ext cx="908028" cy="231840"/>
-            </a:xfrm>
-            <a:prstGeom prst="rect">
-              <a:avLst/>
-            </a:prstGeom>
-          </p:spPr>
-        </p:pic>
-        <p:pic>
-          <p:nvPicPr>
-            <p:cNvPr id="31" name="Immagine 30">
-              <a:extLst>
-                <a:ext uri="{FF2B5EF4-FFF2-40B4-BE49-F238E27FC236}">
-                  <a16:creationId xmlns:a16="http://schemas.microsoft.com/office/drawing/2014/main" id="{85330359-A586-21C0-C40B-87A25885835B}"/>
+                  <a16:creationId xmlns:a16="http://schemas.microsoft.com/office/drawing/2014/main" id="{A90C4EAF-9487-52A5-403F-7E2F42E7D118}"/>
                 </a:ext>
               </a:extLst>
             </p:cNvPr>
             <p:cNvPicPr>
-              <a:picLocks noChangeAspect="1"/>
+              <a:picLocks noChangeAspect="1" noChangeArrowheads="1"/>
             </p:cNvPicPr>
             <p:nvPr/>
           </p:nvPicPr>
           <p:blipFill rotWithShape="1">
-            <a:blip r:embed="rId4">
+            <a:blip r:embed="rId3">
               <a:extLst>
                 <a:ext uri="{28A0092B-C50C-407E-A947-70E740481C1C}">
                   <a14:useLocalDpi xmlns:a14="http://schemas.microsoft.com/office/drawing/2010/main" val="0"/>
                 </a:ext>
               </a:extLst>
             </a:blip>
-            <a:srcRect l="3152" t="13212" r="17606" b="22723"/>
+            <a:srcRect l="19924" r="18450"/>
             <a:stretch/>
           </p:blipFill>
-          <p:spPr>
+          <p:spPr bwMode="auto">
             <a:xfrm>
-              <a:off x="9293805" y="1225447"/>
-              <a:ext cx="1639190" cy="1788208"/>
+              <a:off x="2944793" y="3802140"/>
+              <a:ext cx="2386357" cy="2178160"/>
             </a:xfrm>
             <a:prstGeom prst="rect">
               <a:avLst/>
             </a:prstGeom>
+            <a:noFill/>
+            <a:extLst>
+              <a:ext uri="{909E8E84-426E-40DD-AFC4-6F175D3DCCD1}">
+                <a14:hiddenFill xmlns:a14="http://schemas.microsoft.com/office/drawing/2010/main">
+                  <a:solidFill>
+                    <a:srgbClr val="FFFFFF"/>
+                  </a:solidFill>
+                </a14:hiddenFill>
+              </a:ext>
+            </a:extLst>
           </p:spPr>
         </p:pic>
         <p:pic>
           <p:nvPicPr>
-            <p:cNvPr id="32" name="Immagine 31">
+            <p:cNvPr id="12" name="Picture 6" descr="Groot's Evolution in the MCU (2014-2023) Guardians of the Galaxy - YouTube">
               <a:extLst>
                 <a:ext uri="{FF2B5EF4-FFF2-40B4-BE49-F238E27FC236}">
-                  <a16:creationId xmlns:a16="http://schemas.microsoft.com/office/drawing/2014/main" id="{AA8ADEBD-8FE7-DAAD-95F0-5283B3E6161F}"/>
+                  <a16:creationId xmlns:a16="http://schemas.microsoft.com/office/drawing/2014/main" id="{2C3EEF15-38F4-9042-1423-BF3EDFF63C31}"/>
                 </a:ext>
               </a:extLst>
             </p:cNvPr>
             <p:cNvPicPr>
-              <a:picLocks noChangeAspect="1"/>
+              <a:picLocks noChangeAspect="1" noChangeArrowheads="1"/>
             </p:cNvPicPr>
             <p:nvPr/>
           </p:nvPicPr>
           <p:blipFill rotWithShape="1">
-            <a:blip r:embed="rId5">
+            <a:blip r:embed="rId3">
               <a:extLst>
                 <a:ext uri="{28A0092B-C50C-407E-A947-70E740481C1C}">
                   <a14:useLocalDpi xmlns:a14="http://schemas.microsoft.com/office/drawing/2010/main" val="0"/>
                 </a:ext>
               </a:extLst>
             </a:blip>
-            <a:srcRect t="47773" b="-6557"/>
+            <a:srcRect l="-133" r="73220"/>
             <a:stretch/>
           </p:blipFill>
-          <p:spPr>
+          <p:spPr bwMode="auto">
             <a:xfrm>
-              <a:off x="9441780" y="3010994"/>
-              <a:ext cx="1999217" cy="2214028"/>
+              <a:off x="5331150" y="3802140"/>
+              <a:ext cx="1042156" cy="2178160"/>
             </a:xfrm>
             <a:prstGeom prst="rect">
               <a:avLst/>
             </a:prstGeom>
+            <a:noFill/>
+            <a:extLst>
+              <a:ext uri="{909E8E84-426E-40DD-AFC4-6F175D3DCCD1}">
+                <a14:hiddenFill xmlns:a14="http://schemas.microsoft.com/office/drawing/2010/main">
+                  <a:solidFill>
+                    <a:srgbClr val="FFFFFF"/>
+                  </a:solidFill>
+                </a14:hiddenFill>
+              </a:ext>
+            </a:extLst>
           </p:spPr>
         </p:pic>
-        <p:pic>
-          <p:nvPicPr>
-            <p:cNvPr id="33" name="Elemento grafico 32" descr="Bicchiere di frappè con riempimento a tinta unita">
+        <p:sp>
+          <p:nvSpPr>
+            <p:cNvPr id="13" name="Freeform 7">
               <a:extLst>
                 <a:ext uri="{FF2B5EF4-FFF2-40B4-BE49-F238E27FC236}">
-                  <a16:creationId xmlns:a16="http://schemas.microsoft.com/office/drawing/2014/main" id="{1398DEA4-1888-9A06-56D7-CE2713FCED1F}"/>
+                  <a16:creationId xmlns:a16="http://schemas.microsoft.com/office/drawing/2014/main" id="{141BA81A-C328-067F-DDD3-F980F1FFA662}"/>
                 </a:ext>
               </a:extLst>
             </p:cNvPr>
-            <p:cNvPicPr>
-              <a:picLocks noChangeAspect="1"/>
-            </p:cNvPicPr>
+            <p:cNvSpPr/>
             <p:nvPr/>
-          </p:nvPicPr>
-          <p:blipFill>
-            <a:blip r:embed="rId6">
-              <a:extLst>
-                <a:ext uri="{28A0092B-C50C-407E-A947-70E740481C1C}">
-                  <a14:useLocalDpi xmlns:a14="http://schemas.microsoft.com/office/drawing/2010/main" val="0"/>
-                </a:ext>
-                <a:ext uri="{96DAC541-7B7A-43D3-8B79-37D633B846F1}">
-                  <asvg:svgBlip xmlns:asvg="http://schemas.microsoft.com/office/drawing/2016/SVG/main" r:embed="rId7"/>
-                </a:ext>
-              </a:extLst>
-            </a:blip>
-            <a:stretch>
-              <a:fillRect/>
-            </a:stretch>
-          </p:blipFill>
+          </p:nvSpPr>
           <p:spPr>
             <a:xfrm>
-              <a:off x="9359531" y="3035672"/>
-              <a:ext cx="539757" cy="539757"/>
+              <a:off x="6041620" y="3791122"/>
+              <a:ext cx="331686" cy="2252051"/>
             </a:xfrm>
-            <a:prstGeom prst="rect">
+            <a:custGeom>
               <a:avLst/>
-            </a:prstGeom>
+              <a:gdLst>
+                <a:gd name="connsiteX0" fmla="*/ 0 w 545006"/>
+                <a:gd name="connsiteY0" fmla="*/ 0 h 3796880"/>
+                <a:gd name="connsiteX1" fmla="*/ 0 w 545006"/>
+                <a:gd name="connsiteY1" fmla="*/ 199836 h 3796880"/>
+                <a:gd name="connsiteX2" fmla="*/ 78723 w 545006"/>
+                <a:gd name="connsiteY2" fmla="*/ 145335 h 3796880"/>
+                <a:gd name="connsiteX3" fmla="*/ 133224 w 545006"/>
+                <a:gd name="connsiteY3" fmla="*/ 145335 h 3796880"/>
+                <a:gd name="connsiteX4" fmla="*/ 127168 w 545006"/>
+                <a:gd name="connsiteY4" fmla="*/ 218003 h 3796880"/>
+                <a:gd name="connsiteX5" fmla="*/ 248281 w 545006"/>
+                <a:gd name="connsiteY5" fmla="*/ 139280 h 3796880"/>
+                <a:gd name="connsiteX6" fmla="*/ 351226 w 545006"/>
+                <a:gd name="connsiteY6" fmla="*/ 139280 h 3796880"/>
+                <a:gd name="connsiteX7" fmla="*/ 375449 w 545006"/>
+                <a:gd name="connsiteY7" fmla="*/ 187725 h 3796880"/>
+                <a:gd name="connsiteX8" fmla="*/ 351226 w 545006"/>
+                <a:gd name="connsiteY8" fmla="*/ 327004 h 3796880"/>
+                <a:gd name="connsiteX9" fmla="*/ 236169 w 545006"/>
+                <a:gd name="connsiteY9" fmla="*/ 466284 h 3796880"/>
+                <a:gd name="connsiteX10" fmla="*/ 236169 w 545006"/>
+                <a:gd name="connsiteY10" fmla="*/ 466284 h 3796880"/>
+                <a:gd name="connsiteX11" fmla="*/ 351226 w 545006"/>
+                <a:gd name="connsiteY11" fmla="*/ 417839 h 3796880"/>
+                <a:gd name="connsiteX12" fmla="*/ 375449 w 545006"/>
+                <a:gd name="connsiteY12" fmla="*/ 448117 h 3796880"/>
+                <a:gd name="connsiteX13" fmla="*/ 375449 w 545006"/>
+                <a:gd name="connsiteY13" fmla="*/ 448117 h 3796880"/>
+                <a:gd name="connsiteX14" fmla="*/ 442061 w 545006"/>
+                <a:gd name="connsiteY14" fmla="*/ 399672 h 3796880"/>
+                <a:gd name="connsiteX15" fmla="*/ 454172 w 545006"/>
+                <a:gd name="connsiteY15" fmla="*/ 532896 h 3796880"/>
+                <a:gd name="connsiteX16" fmla="*/ 472339 w 545006"/>
+                <a:gd name="connsiteY16" fmla="*/ 551062 h 3796880"/>
+                <a:gd name="connsiteX17" fmla="*/ 381504 w 545006"/>
+                <a:gd name="connsiteY17" fmla="*/ 629786 h 3796880"/>
+                <a:gd name="connsiteX18" fmla="*/ 381504 w 545006"/>
+                <a:gd name="connsiteY18" fmla="*/ 684286 h 3796880"/>
+                <a:gd name="connsiteX19" fmla="*/ 169557 w 545006"/>
+                <a:gd name="connsiteY19" fmla="*/ 805399 h 3796880"/>
+                <a:gd name="connsiteX20" fmla="*/ 12111 w 545006"/>
+                <a:gd name="connsiteY20" fmla="*/ 884122 h 3796880"/>
+                <a:gd name="connsiteX21" fmla="*/ 6055 w 545006"/>
+                <a:gd name="connsiteY21" fmla="*/ 3796880 h 3796880"/>
+                <a:gd name="connsiteX22" fmla="*/ 545006 w 545006"/>
+                <a:gd name="connsiteY22" fmla="*/ 3778713 h 3796880"/>
+                <a:gd name="connsiteX23" fmla="*/ 545006 w 545006"/>
+                <a:gd name="connsiteY23" fmla="*/ 12111 h 3796880"/>
+                <a:gd name="connsiteX24" fmla="*/ 0 w 545006"/>
+                <a:gd name="connsiteY24" fmla="*/ 0 h 3796880"/>
+              </a:gdLst>
+              <a:ahLst/>
+              <a:cxnLst>
+                <a:cxn ang="0">
+                  <a:pos x="connsiteX0" y="connsiteY0"/>
+                </a:cxn>
+                <a:cxn ang="0">
+                  <a:pos x="connsiteX1" y="connsiteY1"/>
+                </a:cxn>
+                <a:cxn ang="0">
+                  <a:pos x="connsiteX2" y="connsiteY2"/>
+                </a:cxn>
+                <a:cxn ang="0">
+                  <a:pos x="connsiteX3" y="connsiteY3"/>
+                </a:cxn>
+                <a:cxn ang="0">
+                  <a:pos x="connsiteX4" y="connsiteY4"/>
+                </a:cxn>
+                <a:cxn ang="0">
+                  <a:pos x="connsiteX5" y="connsiteY5"/>
+                </a:cxn>
+                <a:cxn ang="0">
+                  <a:pos x="connsiteX6" y="connsiteY6"/>
+                </a:cxn>
+                <a:cxn ang="0">
+                  <a:pos x="connsiteX7" y="connsiteY7"/>
+                </a:cxn>
+                <a:cxn ang="0">
+                  <a:pos x="connsiteX8" y="connsiteY8"/>
+                </a:cxn>
+                <a:cxn ang="0">
+                  <a:pos x="connsiteX9" y="connsiteY9"/>
+                </a:cxn>
+                <a:cxn ang="0">
+                  <a:pos x="connsiteX10" y="connsiteY10"/>
+                </a:cxn>
+                <a:cxn ang="0">
+                  <a:pos x="connsiteX11" y="connsiteY11"/>
+                </a:cxn>
+                <a:cxn ang="0">
+                  <a:pos x="connsiteX12" y="connsiteY12"/>
+                </a:cxn>
+                <a:cxn ang="0">
+                  <a:pos x="connsiteX13" y="connsiteY13"/>
+                </a:cxn>
+                <a:cxn ang="0">
+                  <a:pos x="connsiteX14" y="connsiteY14"/>
+                </a:cxn>
+                <a:cxn ang="0">
+                  <a:pos x="connsiteX15" y="connsiteY15"/>
+                </a:cxn>
+                <a:cxn ang="0">
+                  <a:pos x="connsiteX16" y="connsiteY16"/>
+                </a:cxn>
+                <a:cxn ang="0">
+                  <a:pos x="connsiteX17" y="connsiteY17"/>
+                </a:cxn>
+                <a:cxn ang="0">
+                  <a:pos x="connsiteX18" y="connsiteY18"/>
+                </a:cxn>
+                <a:cxn ang="0">
+                  <a:pos x="connsiteX19" y="connsiteY19"/>
+                </a:cxn>
+                <a:cxn ang="0">
+                  <a:pos x="connsiteX20" y="connsiteY20"/>
+                </a:cxn>
+                <a:cxn ang="0">
+                  <a:pos x="connsiteX21" y="connsiteY21"/>
+                </a:cxn>
+                <a:cxn ang="0">
+                  <a:pos x="connsiteX22" y="connsiteY22"/>
+                </a:cxn>
+                <a:cxn ang="0">
+                  <a:pos x="connsiteX23" y="connsiteY23"/>
+                </a:cxn>
+                <a:cxn ang="0">
+                  <a:pos x="connsiteX24" y="connsiteY24"/>
+                </a:cxn>
+              </a:cxnLst>
+              <a:rect l="l" t="t" r="r" b="b"/>
+              <a:pathLst>
+                <a:path w="545006" h="3796880">
+                  <a:moveTo>
+                    <a:pt x="0" y="0"/>
+                  </a:moveTo>
+                  <a:lnTo>
+                    <a:pt x="0" y="199836"/>
+                  </a:lnTo>
+                  <a:lnTo>
+                    <a:pt x="78723" y="145335"/>
+                  </a:lnTo>
+                  <a:lnTo>
+                    <a:pt x="133224" y="145335"/>
+                  </a:lnTo>
+                  <a:lnTo>
+                    <a:pt x="127168" y="218003"/>
+                  </a:lnTo>
+                  <a:lnTo>
+                    <a:pt x="248281" y="139280"/>
+                  </a:lnTo>
+                  <a:lnTo>
+                    <a:pt x="351226" y="139280"/>
+                  </a:lnTo>
+                  <a:lnTo>
+                    <a:pt x="375449" y="187725"/>
+                  </a:lnTo>
+                  <a:lnTo>
+                    <a:pt x="351226" y="327004"/>
+                  </a:lnTo>
+                  <a:lnTo>
+                    <a:pt x="236169" y="466284"/>
+                  </a:lnTo>
+                  <a:lnTo>
+                    <a:pt x="236169" y="466284"/>
+                  </a:lnTo>
+                  <a:lnTo>
+                    <a:pt x="351226" y="417839"/>
+                  </a:lnTo>
+                  <a:lnTo>
+                    <a:pt x="375449" y="448117"/>
+                  </a:lnTo>
+                  <a:lnTo>
+                    <a:pt x="375449" y="448117"/>
+                  </a:lnTo>
+                  <a:lnTo>
+                    <a:pt x="442061" y="399672"/>
+                  </a:lnTo>
+                  <a:lnTo>
+                    <a:pt x="454172" y="532896"/>
+                  </a:lnTo>
+                  <a:lnTo>
+                    <a:pt x="472339" y="551062"/>
+                  </a:lnTo>
+                  <a:lnTo>
+                    <a:pt x="381504" y="629786"/>
+                  </a:lnTo>
+                  <a:lnTo>
+                    <a:pt x="381504" y="684286"/>
+                  </a:lnTo>
+                  <a:lnTo>
+                    <a:pt x="169557" y="805399"/>
+                  </a:lnTo>
+                  <a:lnTo>
+                    <a:pt x="12111" y="884122"/>
+                  </a:lnTo>
+                  <a:cubicBezTo>
+                    <a:pt x="10092" y="1855041"/>
+                    <a:pt x="8074" y="2825961"/>
+                    <a:pt x="6055" y="3796880"/>
+                  </a:cubicBezTo>
+                  <a:lnTo>
+                    <a:pt x="545006" y="3778713"/>
+                  </a:lnTo>
+                  <a:lnTo>
+                    <a:pt x="545006" y="12111"/>
+                  </a:lnTo>
+                  <a:lnTo>
+                    <a:pt x="0" y="0"/>
+                  </a:lnTo>
+                  <a:close/>
+                </a:path>
+              </a:pathLst>
+            </a:custGeom>
+            <a:solidFill>
+              <a:schemeClr val="bg1"/>
+            </a:solidFill>
+            <a:ln>
+              <a:noFill/>
+              <a:prstDash val="sysDash"/>
+              <a:headEnd type="none" w="med" len="med"/>
+              <a:tailEnd type="arrow" w="med" len="med"/>
+            </a:ln>
           </p:spPr>
-        </p:pic>
-        <p:pic>
-          <p:nvPicPr>
-            <p:cNvPr id="34" name="Elemento grafico 33" descr="Vino con riempimento a tinta unita">
-              <a:extLst>
-                <a:ext uri="{FF2B5EF4-FFF2-40B4-BE49-F238E27FC236}">
-                  <a16:creationId xmlns:a16="http://schemas.microsoft.com/office/drawing/2014/main" id="{10AE74FC-5397-7EB5-6180-9CE88F2757CD}"/>
-                </a:ext>
-              </a:extLst>
-            </p:cNvPr>
-            <p:cNvPicPr>
-              <a:picLocks noChangeAspect="1"/>
-            </p:cNvPicPr>
-            <p:nvPr/>
-          </p:nvPicPr>
-          <p:blipFill>
-            <a:blip r:embed="rId8">
-              <a:extLst>
-                <a:ext uri="{28A0092B-C50C-407E-A947-70E740481C1C}">
-                  <a14:useLocalDpi xmlns:a14="http://schemas.microsoft.com/office/drawing/2010/main" val="0"/>
-                </a:ext>
-                <a:ext uri="{96DAC541-7B7A-43D3-8B79-37D633B846F1}">
-                  <asvg:svgBlip xmlns:asvg="http://schemas.microsoft.com/office/drawing/2016/SVG/main" r:embed="rId9"/>
-                </a:ext>
-              </a:extLst>
-            </a:blip>
-            <a:stretch>
-              <a:fillRect/>
-            </a:stretch>
-          </p:blipFill>
-          <p:spPr>
-            <a:xfrm>
-              <a:off x="10014868" y="4743027"/>
-              <a:ext cx="540000" cy="540000"/>
-            </a:xfrm>
-            <a:prstGeom prst="rect">
-              <a:avLst/>
-            </a:prstGeom>
-          </p:spPr>
-        </p:pic>
-        <p:pic>
-          <p:nvPicPr>
-            <p:cNvPr id="35" name="Elemento grafico 34" descr="Martini con riempimento a tinta unita">
-              <a:extLst>
-                <a:ext uri="{FF2B5EF4-FFF2-40B4-BE49-F238E27FC236}">
-                  <a16:creationId xmlns:a16="http://schemas.microsoft.com/office/drawing/2014/main" id="{AD795EB7-4F98-FB31-CE1B-860A71EF3D3C}"/>
-                </a:ext>
-              </a:extLst>
-            </p:cNvPr>
-            <p:cNvPicPr>
-              <a:picLocks noChangeAspect="1"/>
-            </p:cNvPicPr>
-            <p:nvPr/>
-          </p:nvPicPr>
-          <p:blipFill>
-            <a:blip r:embed="rId10">
-              <a:extLst>
-                <a:ext uri="{28A0092B-C50C-407E-A947-70E740481C1C}">
-                  <a14:useLocalDpi xmlns:a14="http://schemas.microsoft.com/office/drawing/2010/main" val="0"/>
-                </a:ext>
-                <a:ext uri="{96DAC541-7B7A-43D3-8B79-37D633B846F1}">
-                  <asvg:svgBlip xmlns:asvg="http://schemas.microsoft.com/office/drawing/2016/SVG/main" r:embed="rId11"/>
-                </a:ext>
-              </a:extLst>
-            </a:blip>
-            <a:stretch>
-              <a:fillRect/>
-            </a:stretch>
-          </p:blipFill>
-          <p:spPr>
-            <a:xfrm>
-              <a:off x="10717403" y="4750955"/>
-              <a:ext cx="576000" cy="576000"/>
-            </a:xfrm>
-            <a:prstGeom prst="rect">
-              <a:avLst/>
-            </a:prstGeom>
-          </p:spPr>
-        </p:pic>
+          <p:style>
+            <a:lnRef idx="2">
+              <a:schemeClr val="accent1">
+                <a:shade val="50000"/>
+              </a:schemeClr>
+            </a:lnRef>
+            <a:fillRef idx="1">
+              <a:schemeClr val="accent1"/>
+            </a:fillRef>
+            <a:effectRef idx="0">
+              <a:schemeClr val="accent1"/>
+            </a:effectRef>
+            <a:fontRef idx="minor">
+              <a:schemeClr val="lt1"/>
+            </a:fontRef>
+          </p:style>
+          <p:txBody>
+            <a:bodyPr rtlCol="0" anchor="ctr"/>
+            <a:lstStyle/>
+            <a:p>
+              <a:pPr algn="ctr"/>
+              <a:endParaRPr lang="en-US"/>
+            </a:p>
+          </p:txBody>
+        </p:sp>
       </p:grpSp>
+      <p:sp>
+        <p:nvSpPr>
+          <p:cNvPr id="14" name="TextBox 9">
+            <a:extLst>
+              <a:ext uri="{FF2B5EF4-FFF2-40B4-BE49-F238E27FC236}">
+                <a16:creationId xmlns:a16="http://schemas.microsoft.com/office/drawing/2014/main" id="{99F75DB8-5181-A43C-6D67-5643270A1E8B}"/>
+              </a:ext>
+            </a:extLst>
+          </p:cNvPr>
+          <p:cNvSpPr txBox="1"/>
+          <p:nvPr/>
+        </p:nvSpPr>
+        <p:spPr>
+          <a:xfrm>
+            <a:off x="8078603" y="5016560"/>
+            <a:ext cx="3456000" cy="230400"/>
+          </a:xfrm>
+          <a:prstGeom prst="rect">
+            <a:avLst/>
+          </a:prstGeom>
+          <a:noFill/>
+        </p:spPr>
+        <p:txBody>
+          <a:bodyPr wrap="square">
+            <a:spAutoFit/>
+          </a:bodyPr>
+          <a:lstStyle/>
+          <a:p>
+            <a:r>
+              <a:rPr lang="en-US" sz="1100" dirty="0"/>
+              <a:t>src: </a:t>
+            </a:r>
+            <a:r>
+              <a:rPr lang="en-US" sz="1100" dirty="0">
+                <a:hlinkClick r:id="rId4"/>
+              </a:rPr>
+              <a:t>https://www.bilibili.tv/en/video/4787736782838275</a:t>
+            </a:r>
+            <a:endParaRPr lang="en-US" sz="1100" dirty="0"/>
+          </a:p>
+        </p:txBody>
+      </p:sp>
     </p:spTree>
     <p:extLst>
       <p:ext uri="{BB962C8B-B14F-4D97-AF65-F5344CB8AC3E}">
@@ -8230,7 +8395,7 @@
         <p:spPr>
           <a:xfrm>
             <a:off x="838200" y="1531044"/>
-            <a:ext cx="8881836" cy="3524042"/>
+            <a:ext cx="6906658" cy="3400931"/>
           </a:xfrm>
           <a:prstGeom prst="rect">
             <a:avLst/>
@@ -8255,7 +8420,7 @@
               </a:tabLst>
             </a:pPr>
             <a:r>
-              <a:rPr lang="en-GB" sz="2800" spc="-5" dirty="0">
+              <a:rPr lang="en-GB" sz="2400" spc="-5" dirty="0">
                 <a:cs typeface="Calibri"/>
               </a:rPr>
               <a:t>Which attribute to choose at each splitting node?</a:t>
@@ -8275,7 +8440,7 @@
               </a:tabLst>
             </a:pPr>
             <a:r>
-              <a:rPr lang="en-GB" sz="2800" spc="-5" dirty="0">
+              <a:rPr lang="en-GB" sz="2400" spc="-5" dirty="0">
                 <a:cs typeface="Calibri"/>
               </a:rPr>
               <a:t>A small sample can often be enough to choose the optimal  splitting attribute</a:t>
@@ -8295,7 +8460,7 @@
               </a:tabLst>
             </a:pPr>
             <a:r>
-              <a:rPr lang="en-GB" sz="2800" spc="-5" dirty="0">
+              <a:rPr lang="en-GB" sz="2400" spc="-5" dirty="0">
                 <a:cs typeface="Calibri"/>
               </a:rPr>
               <a:t>Collect sufficient statistics from a small set of  examples</a:t>
@@ -8315,7 +8480,7 @@
               </a:tabLst>
             </a:pPr>
             <a:r>
-              <a:rPr lang="en-GB" sz="2800" spc="-5" dirty="0">
+              <a:rPr lang="en-GB" sz="2400" spc="-5" dirty="0">
                 <a:cs typeface="Calibri"/>
               </a:rPr>
               <a:t>Estimate the merit of each attribute</a:t>
@@ -8335,7 +8500,7 @@
               </a:tabLst>
             </a:pPr>
             <a:r>
-              <a:rPr lang="en-GB" sz="2800" spc="-5" dirty="0">
+              <a:rPr lang="en-GB" sz="2400" spc="-5" dirty="0">
                 <a:cs typeface="Calibri"/>
               </a:rPr>
               <a:t>How large should be the sample?</a:t>
@@ -8355,25 +8520,25 @@
               </a:tabLst>
             </a:pPr>
             <a:r>
-              <a:rPr lang="en-GB" sz="2800" b="1" spc="-5" dirty="0">
+              <a:rPr lang="en-GB" sz="2400" b="1" spc="-5" dirty="0">
                 <a:cs typeface="Calibri"/>
               </a:rPr>
               <a:t>Fixed size</a:t>
             </a:r>
             <a:r>
-              <a:rPr lang="en-GB" sz="2800" spc="-5" dirty="0">
+              <a:rPr lang="en-GB" sz="2400" spc="-5" dirty="0">
                 <a:cs typeface="Calibri"/>
               </a:rPr>
               <a:t>: defined </a:t>
             </a:r>
             <a:r>
-              <a:rPr lang="en-GB" sz="2800" i="1" spc="-5" dirty="0">
+              <a:rPr lang="en-GB" sz="2400" i="1" spc="-5" dirty="0">
                 <a:cs typeface="Calibri"/>
               </a:rPr>
               <a:t>a-priori</a:t>
             </a:r>
             <a:r>
-              <a:rPr lang="en-GB" sz="2800" spc="-5" dirty="0">
+              <a:rPr lang="en-GB" sz="2400" spc="-5" dirty="0">
                 <a:cs typeface="Calibri"/>
               </a:rPr>
               <a:t> without looking for the data</a:t>
@@ -8383,10 +8548,10 @@
       </p:sp>
       <p:grpSp>
         <p:nvGrpSpPr>
-          <p:cNvPr id="36" name="Gruppo 35">
+          <p:cNvPr id="9" name="Gruppo 8">
             <a:extLst>
               <a:ext uri="{FF2B5EF4-FFF2-40B4-BE49-F238E27FC236}">
-                <a16:creationId xmlns:a16="http://schemas.microsoft.com/office/drawing/2014/main" id="{EB322D20-176B-D818-A495-799775C6E4BE}"/>
+                <a16:creationId xmlns:a16="http://schemas.microsoft.com/office/drawing/2014/main" id="{762C544B-8077-DE96-EF74-B85E053CA46C}"/>
               </a:ext>
             </a:extLst>
           </p:cNvPr>
@@ -8395,228 +8560,413 @@
         </p:nvGrpSpPr>
         <p:grpSpPr>
           <a:xfrm>
-            <a:off x="9293805" y="1225447"/>
-            <a:ext cx="2147192" cy="4101508"/>
-            <a:chOff x="9293805" y="1225447"/>
-            <a:chExt cx="2147192" cy="4101508"/>
+            <a:off x="7788924" y="2161718"/>
+            <a:ext cx="4416989" cy="2891069"/>
+            <a:chOff x="2944793" y="3791122"/>
+            <a:chExt cx="3428513" cy="2252051"/>
           </a:xfrm>
         </p:grpSpPr>
         <p:pic>
           <p:nvPicPr>
-            <p:cNvPr id="30" name="object 42">
+            <p:cNvPr id="10" name="Picture 6" descr="Groot's Evolution in the MCU (2014-2023) Guardians of the Galaxy - YouTube">
               <a:extLst>
                 <a:ext uri="{FF2B5EF4-FFF2-40B4-BE49-F238E27FC236}">
-                  <a16:creationId xmlns:a16="http://schemas.microsoft.com/office/drawing/2014/main" id="{90C7E925-8538-499A-FFC6-12DD767E9794}"/>
-                </a:ext>
-              </a:extLst>
-            </p:cNvPr>
-            <p:cNvPicPr/>
-            <p:nvPr/>
-          </p:nvPicPr>
-          <p:blipFill>
-            <a:blip r:embed="rId3" cstate="print"/>
-            <a:stretch>
-              <a:fillRect/>
-            </a:stretch>
-          </p:blipFill>
-          <p:spPr>
-            <a:xfrm>
-              <a:off x="9882571" y="1802311"/>
-              <a:ext cx="908028" cy="231840"/>
-            </a:xfrm>
-            <a:prstGeom prst="rect">
-              <a:avLst/>
-            </a:prstGeom>
-          </p:spPr>
-        </p:pic>
-        <p:pic>
-          <p:nvPicPr>
-            <p:cNvPr id="31" name="Immagine 30">
-              <a:extLst>
-                <a:ext uri="{FF2B5EF4-FFF2-40B4-BE49-F238E27FC236}">
-                  <a16:creationId xmlns:a16="http://schemas.microsoft.com/office/drawing/2014/main" id="{85330359-A586-21C0-C40B-87A25885835B}"/>
+                  <a16:creationId xmlns:a16="http://schemas.microsoft.com/office/drawing/2014/main" id="{82ABE2C5-8EDA-E73E-01D5-3A7624791ACF}"/>
                 </a:ext>
               </a:extLst>
             </p:cNvPr>
             <p:cNvPicPr>
-              <a:picLocks noChangeAspect="1"/>
+              <a:picLocks noChangeAspect="1" noChangeArrowheads="1"/>
             </p:cNvPicPr>
             <p:nvPr/>
           </p:nvPicPr>
           <p:blipFill rotWithShape="1">
-            <a:blip r:embed="rId4">
+            <a:blip r:embed="rId3">
               <a:extLst>
                 <a:ext uri="{28A0092B-C50C-407E-A947-70E740481C1C}">
                   <a14:useLocalDpi xmlns:a14="http://schemas.microsoft.com/office/drawing/2010/main" val="0"/>
                 </a:ext>
               </a:extLst>
             </a:blip>
-            <a:srcRect l="3152" t="13212" r="17606" b="22723"/>
+            <a:srcRect l="19924" r="18450"/>
             <a:stretch/>
           </p:blipFill>
-          <p:spPr>
+          <p:spPr bwMode="auto">
             <a:xfrm>
-              <a:off x="9293805" y="1225447"/>
-              <a:ext cx="1639190" cy="1788208"/>
+              <a:off x="2944793" y="3802140"/>
+              <a:ext cx="2386357" cy="2178160"/>
             </a:xfrm>
             <a:prstGeom prst="rect">
               <a:avLst/>
             </a:prstGeom>
+            <a:noFill/>
+            <a:extLst>
+              <a:ext uri="{909E8E84-426E-40DD-AFC4-6F175D3DCCD1}">
+                <a14:hiddenFill xmlns:a14="http://schemas.microsoft.com/office/drawing/2010/main">
+                  <a:solidFill>
+                    <a:srgbClr val="FFFFFF"/>
+                  </a:solidFill>
+                </a14:hiddenFill>
+              </a:ext>
+            </a:extLst>
           </p:spPr>
         </p:pic>
         <p:pic>
           <p:nvPicPr>
-            <p:cNvPr id="32" name="Immagine 31">
+            <p:cNvPr id="11" name="Picture 6" descr="Groot's Evolution in the MCU (2014-2023) Guardians of the Galaxy - YouTube">
               <a:extLst>
                 <a:ext uri="{FF2B5EF4-FFF2-40B4-BE49-F238E27FC236}">
-                  <a16:creationId xmlns:a16="http://schemas.microsoft.com/office/drawing/2014/main" id="{AA8ADEBD-8FE7-DAAD-95F0-5283B3E6161F}"/>
+                  <a16:creationId xmlns:a16="http://schemas.microsoft.com/office/drawing/2014/main" id="{CFA5E259-D5A9-CA21-D8DF-E63DDF491282}"/>
                 </a:ext>
               </a:extLst>
             </p:cNvPr>
             <p:cNvPicPr>
-              <a:picLocks noChangeAspect="1"/>
+              <a:picLocks noChangeAspect="1" noChangeArrowheads="1"/>
             </p:cNvPicPr>
             <p:nvPr/>
           </p:nvPicPr>
           <p:blipFill rotWithShape="1">
-            <a:blip r:embed="rId5">
+            <a:blip r:embed="rId3">
               <a:extLst>
                 <a:ext uri="{28A0092B-C50C-407E-A947-70E740481C1C}">
                   <a14:useLocalDpi xmlns:a14="http://schemas.microsoft.com/office/drawing/2010/main" val="0"/>
                 </a:ext>
               </a:extLst>
             </a:blip>
-            <a:srcRect t="47773" b="-6557"/>
+            <a:srcRect l="-133" r="73220"/>
             <a:stretch/>
           </p:blipFill>
-          <p:spPr>
+          <p:spPr bwMode="auto">
             <a:xfrm>
-              <a:off x="9441780" y="3010994"/>
-              <a:ext cx="1999217" cy="2214028"/>
+              <a:off x="5331150" y="3802140"/>
+              <a:ext cx="1042156" cy="2178160"/>
             </a:xfrm>
             <a:prstGeom prst="rect">
               <a:avLst/>
             </a:prstGeom>
+            <a:noFill/>
+            <a:extLst>
+              <a:ext uri="{909E8E84-426E-40DD-AFC4-6F175D3DCCD1}">
+                <a14:hiddenFill xmlns:a14="http://schemas.microsoft.com/office/drawing/2010/main">
+                  <a:solidFill>
+                    <a:srgbClr val="FFFFFF"/>
+                  </a:solidFill>
+                </a14:hiddenFill>
+              </a:ext>
+            </a:extLst>
           </p:spPr>
         </p:pic>
-        <p:pic>
-          <p:nvPicPr>
-            <p:cNvPr id="33" name="Elemento grafico 32" descr="Bicchiere di frappè con riempimento a tinta unita">
+        <p:sp>
+          <p:nvSpPr>
+            <p:cNvPr id="12" name="Freeform 7">
               <a:extLst>
                 <a:ext uri="{FF2B5EF4-FFF2-40B4-BE49-F238E27FC236}">
-                  <a16:creationId xmlns:a16="http://schemas.microsoft.com/office/drawing/2014/main" id="{1398DEA4-1888-9A06-56D7-CE2713FCED1F}"/>
+                  <a16:creationId xmlns:a16="http://schemas.microsoft.com/office/drawing/2014/main" id="{23BB2426-072F-7D8D-F101-1C13D3673D99}"/>
                 </a:ext>
               </a:extLst>
             </p:cNvPr>
-            <p:cNvPicPr>
-              <a:picLocks noChangeAspect="1"/>
-            </p:cNvPicPr>
+            <p:cNvSpPr/>
             <p:nvPr/>
-          </p:nvPicPr>
-          <p:blipFill>
-            <a:blip r:embed="rId6">
-              <a:extLst>
-                <a:ext uri="{28A0092B-C50C-407E-A947-70E740481C1C}">
-                  <a14:useLocalDpi xmlns:a14="http://schemas.microsoft.com/office/drawing/2010/main" val="0"/>
-                </a:ext>
-                <a:ext uri="{96DAC541-7B7A-43D3-8B79-37D633B846F1}">
-                  <asvg:svgBlip xmlns:asvg="http://schemas.microsoft.com/office/drawing/2016/SVG/main" r:embed="rId7"/>
-                </a:ext>
-              </a:extLst>
-            </a:blip>
-            <a:stretch>
-              <a:fillRect/>
-            </a:stretch>
-          </p:blipFill>
+          </p:nvSpPr>
           <p:spPr>
             <a:xfrm>
-              <a:off x="9359531" y="3035672"/>
-              <a:ext cx="539757" cy="539757"/>
+              <a:off x="6041620" y="3791122"/>
+              <a:ext cx="331686" cy="2252051"/>
             </a:xfrm>
-            <a:prstGeom prst="rect">
+            <a:custGeom>
               <a:avLst/>
-            </a:prstGeom>
+              <a:gdLst>
+                <a:gd name="connsiteX0" fmla="*/ 0 w 545006"/>
+                <a:gd name="connsiteY0" fmla="*/ 0 h 3796880"/>
+                <a:gd name="connsiteX1" fmla="*/ 0 w 545006"/>
+                <a:gd name="connsiteY1" fmla="*/ 199836 h 3796880"/>
+                <a:gd name="connsiteX2" fmla="*/ 78723 w 545006"/>
+                <a:gd name="connsiteY2" fmla="*/ 145335 h 3796880"/>
+                <a:gd name="connsiteX3" fmla="*/ 133224 w 545006"/>
+                <a:gd name="connsiteY3" fmla="*/ 145335 h 3796880"/>
+                <a:gd name="connsiteX4" fmla="*/ 127168 w 545006"/>
+                <a:gd name="connsiteY4" fmla="*/ 218003 h 3796880"/>
+                <a:gd name="connsiteX5" fmla="*/ 248281 w 545006"/>
+                <a:gd name="connsiteY5" fmla="*/ 139280 h 3796880"/>
+                <a:gd name="connsiteX6" fmla="*/ 351226 w 545006"/>
+                <a:gd name="connsiteY6" fmla="*/ 139280 h 3796880"/>
+                <a:gd name="connsiteX7" fmla="*/ 375449 w 545006"/>
+                <a:gd name="connsiteY7" fmla="*/ 187725 h 3796880"/>
+                <a:gd name="connsiteX8" fmla="*/ 351226 w 545006"/>
+                <a:gd name="connsiteY8" fmla="*/ 327004 h 3796880"/>
+                <a:gd name="connsiteX9" fmla="*/ 236169 w 545006"/>
+                <a:gd name="connsiteY9" fmla="*/ 466284 h 3796880"/>
+                <a:gd name="connsiteX10" fmla="*/ 236169 w 545006"/>
+                <a:gd name="connsiteY10" fmla="*/ 466284 h 3796880"/>
+                <a:gd name="connsiteX11" fmla="*/ 351226 w 545006"/>
+                <a:gd name="connsiteY11" fmla="*/ 417839 h 3796880"/>
+                <a:gd name="connsiteX12" fmla="*/ 375449 w 545006"/>
+                <a:gd name="connsiteY12" fmla="*/ 448117 h 3796880"/>
+                <a:gd name="connsiteX13" fmla="*/ 375449 w 545006"/>
+                <a:gd name="connsiteY13" fmla="*/ 448117 h 3796880"/>
+                <a:gd name="connsiteX14" fmla="*/ 442061 w 545006"/>
+                <a:gd name="connsiteY14" fmla="*/ 399672 h 3796880"/>
+                <a:gd name="connsiteX15" fmla="*/ 454172 w 545006"/>
+                <a:gd name="connsiteY15" fmla="*/ 532896 h 3796880"/>
+                <a:gd name="connsiteX16" fmla="*/ 472339 w 545006"/>
+                <a:gd name="connsiteY16" fmla="*/ 551062 h 3796880"/>
+                <a:gd name="connsiteX17" fmla="*/ 381504 w 545006"/>
+                <a:gd name="connsiteY17" fmla="*/ 629786 h 3796880"/>
+                <a:gd name="connsiteX18" fmla="*/ 381504 w 545006"/>
+                <a:gd name="connsiteY18" fmla="*/ 684286 h 3796880"/>
+                <a:gd name="connsiteX19" fmla="*/ 169557 w 545006"/>
+                <a:gd name="connsiteY19" fmla="*/ 805399 h 3796880"/>
+                <a:gd name="connsiteX20" fmla="*/ 12111 w 545006"/>
+                <a:gd name="connsiteY20" fmla="*/ 884122 h 3796880"/>
+                <a:gd name="connsiteX21" fmla="*/ 6055 w 545006"/>
+                <a:gd name="connsiteY21" fmla="*/ 3796880 h 3796880"/>
+                <a:gd name="connsiteX22" fmla="*/ 545006 w 545006"/>
+                <a:gd name="connsiteY22" fmla="*/ 3778713 h 3796880"/>
+                <a:gd name="connsiteX23" fmla="*/ 545006 w 545006"/>
+                <a:gd name="connsiteY23" fmla="*/ 12111 h 3796880"/>
+                <a:gd name="connsiteX24" fmla="*/ 0 w 545006"/>
+                <a:gd name="connsiteY24" fmla="*/ 0 h 3796880"/>
+              </a:gdLst>
+              <a:ahLst/>
+              <a:cxnLst>
+                <a:cxn ang="0">
+                  <a:pos x="connsiteX0" y="connsiteY0"/>
+                </a:cxn>
+                <a:cxn ang="0">
+                  <a:pos x="connsiteX1" y="connsiteY1"/>
+                </a:cxn>
+                <a:cxn ang="0">
+                  <a:pos x="connsiteX2" y="connsiteY2"/>
+                </a:cxn>
+                <a:cxn ang="0">
+                  <a:pos x="connsiteX3" y="connsiteY3"/>
+                </a:cxn>
+                <a:cxn ang="0">
+                  <a:pos x="connsiteX4" y="connsiteY4"/>
+                </a:cxn>
+                <a:cxn ang="0">
+                  <a:pos x="connsiteX5" y="connsiteY5"/>
+                </a:cxn>
+                <a:cxn ang="0">
+                  <a:pos x="connsiteX6" y="connsiteY6"/>
+                </a:cxn>
+                <a:cxn ang="0">
+                  <a:pos x="connsiteX7" y="connsiteY7"/>
+                </a:cxn>
+                <a:cxn ang="0">
+                  <a:pos x="connsiteX8" y="connsiteY8"/>
+                </a:cxn>
+                <a:cxn ang="0">
+                  <a:pos x="connsiteX9" y="connsiteY9"/>
+                </a:cxn>
+                <a:cxn ang="0">
+                  <a:pos x="connsiteX10" y="connsiteY10"/>
+                </a:cxn>
+                <a:cxn ang="0">
+                  <a:pos x="connsiteX11" y="connsiteY11"/>
+                </a:cxn>
+                <a:cxn ang="0">
+                  <a:pos x="connsiteX12" y="connsiteY12"/>
+                </a:cxn>
+                <a:cxn ang="0">
+                  <a:pos x="connsiteX13" y="connsiteY13"/>
+                </a:cxn>
+                <a:cxn ang="0">
+                  <a:pos x="connsiteX14" y="connsiteY14"/>
+                </a:cxn>
+                <a:cxn ang="0">
+                  <a:pos x="connsiteX15" y="connsiteY15"/>
+                </a:cxn>
+                <a:cxn ang="0">
+                  <a:pos x="connsiteX16" y="connsiteY16"/>
+                </a:cxn>
+                <a:cxn ang="0">
+                  <a:pos x="connsiteX17" y="connsiteY17"/>
+                </a:cxn>
+                <a:cxn ang="0">
+                  <a:pos x="connsiteX18" y="connsiteY18"/>
+                </a:cxn>
+                <a:cxn ang="0">
+                  <a:pos x="connsiteX19" y="connsiteY19"/>
+                </a:cxn>
+                <a:cxn ang="0">
+                  <a:pos x="connsiteX20" y="connsiteY20"/>
+                </a:cxn>
+                <a:cxn ang="0">
+                  <a:pos x="connsiteX21" y="connsiteY21"/>
+                </a:cxn>
+                <a:cxn ang="0">
+                  <a:pos x="connsiteX22" y="connsiteY22"/>
+                </a:cxn>
+                <a:cxn ang="0">
+                  <a:pos x="connsiteX23" y="connsiteY23"/>
+                </a:cxn>
+                <a:cxn ang="0">
+                  <a:pos x="connsiteX24" y="connsiteY24"/>
+                </a:cxn>
+              </a:cxnLst>
+              <a:rect l="l" t="t" r="r" b="b"/>
+              <a:pathLst>
+                <a:path w="545006" h="3796880">
+                  <a:moveTo>
+                    <a:pt x="0" y="0"/>
+                  </a:moveTo>
+                  <a:lnTo>
+                    <a:pt x="0" y="199836"/>
+                  </a:lnTo>
+                  <a:lnTo>
+                    <a:pt x="78723" y="145335"/>
+                  </a:lnTo>
+                  <a:lnTo>
+                    <a:pt x="133224" y="145335"/>
+                  </a:lnTo>
+                  <a:lnTo>
+                    <a:pt x="127168" y="218003"/>
+                  </a:lnTo>
+                  <a:lnTo>
+                    <a:pt x="248281" y="139280"/>
+                  </a:lnTo>
+                  <a:lnTo>
+                    <a:pt x="351226" y="139280"/>
+                  </a:lnTo>
+                  <a:lnTo>
+                    <a:pt x="375449" y="187725"/>
+                  </a:lnTo>
+                  <a:lnTo>
+                    <a:pt x="351226" y="327004"/>
+                  </a:lnTo>
+                  <a:lnTo>
+                    <a:pt x="236169" y="466284"/>
+                  </a:lnTo>
+                  <a:lnTo>
+                    <a:pt x="236169" y="466284"/>
+                  </a:lnTo>
+                  <a:lnTo>
+                    <a:pt x="351226" y="417839"/>
+                  </a:lnTo>
+                  <a:lnTo>
+                    <a:pt x="375449" y="448117"/>
+                  </a:lnTo>
+                  <a:lnTo>
+                    <a:pt x="375449" y="448117"/>
+                  </a:lnTo>
+                  <a:lnTo>
+                    <a:pt x="442061" y="399672"/>
+                  </a:lnTo>
+                  <a:lnTo>
+                    <a:pt x="454172" y="532896"/>
+                  </a:lnTo>
+                  <a:lnTo>
+                    <a:pt x="472339" y="551062"/>
+                  </a:lnTo>
+                  <a:lnTo>
+                    <a:pt x="381504" y="629786"/>
+                  </a:lnTo>
+                  <a:lnTo>
+                    <a:pt x="381504" y="684286"/>
+                  </a:lnTo>
+                  <a:lnTo>
+                    <a:pt x="169557" y="805399"/>
+                  </a:lnTo>
+                  <a:lnTo>
+                    <a:pt x="12111" y="884122"/>
+                  </a:lnTo>
+                  <a:cubicBezTo>
+                    <a:pt x="10092" y="1855041"/>
+                    <a:pt x="8074" y="2825961"/>
+                    <a:pt x="6055" y="3796880"/>
+                  </a:cubicBezTo>
+                  <a:lnTo>
+                    <a:pt x="545006" y="3778713"/>
+                  </a:lnTo>
+                  <a:lnTo>
+                    <a:pt x="545006" y="12111"/>
+                  </a:lnTo>
+                  <a:lnTo>
+                    <a:pt x="0" y="0"/>
+                  </a:lnTo>
+                  <a:close/>
+                </a:path>
+              </a:pathLst>
+            </a:custGeom>
+            <a:solidFill>
+              <a:schemeClr val="bg1"/>
+            </a:solidFill>
+            <a:ln>
+              <a:noFill/>
+              <a:prstDash val="sysDash"/>
+              <a:headEnd type="none" w="med" len="med"/>
+              <a:tailEnd type="arrow" w="med" len="med"/>
+            </a:ln>
           </p:spPr>
-        </p:pic>
-        <p:pic>
-          <p:nvPicPr>
-            <p:cNvPr id="34" name="Elemento grafico 33" descr="Vino con riempimento a tinta unita">
-              <a:extLst>
-                <a:ext uri="{FF2B5EF4-FFF2-40B4-BE49-F238E27FC236}">
-                  <a16:creationId xmlns:a16="http://schemas.microsoft.com/office/drawing/2014/main" id="{10AE74FC-5397-7EB5-6180-9CE88F2757CD}"/>
-                </a:ext>
-              </a:extLst>
-            </p:cNvPr>
-            <p:cNvPicPr>
-              <a:picLocks noChangeAspect="1"/>
-            </p:cNvPicPr>
-            <p:nvPr/>
-          </p:nvPicPr>
-          <p:blipFill>
-            <a:blip r:embed="rId8">
-              <a:extLst>
-                <a:ext uri="{28A0092B-C50C-407E-A947-70E740481C1C}">
-                  <a14:useLocalDpi xmlns:a14="http://schemas.microsoft.com/office/drawing/2010/main" val="0"/>
-                </a:ext>
-                <a:ext uri="{96DAC541-7B7A-43D3-8B79-37D633B846F1}">
-                  <asvg:svgBlip xmlns:asvg="http://schemas.microsoft.com/office/drawing/2016/SVG/main" r:embed="rId9"/>
-                </a:ext>
-              </a:extLst>
-            </a:blip>
-            <a:stretch>
-              <a:fillRect/>
-            </a:stretch>
-          </p:blipFill>
-          <p:spPr>
-            <a:xfrm>
-              <a:off x="10014868" y="4743027"/>
-              <a:ext cx="540000" cy="540000"/>
-            </a:xfrm>
-            <a:prstGeom prst="rect">
-              <a:avLst/>
-            </a:prstGeom>
-          </p:spPr>
-        </p:pic>
-        <p:pic>
-          <p:nvPicPr>
-            <p:cNvPr id="35" name="Elemento grafico 34" descr="Martini con riempimento a tinta unita">
-              <a:extLst>
-                <a:ext uri="{FF2B5EF4-FFF2-40B4-BE49-F238E27FC236}">
-                  <a16:creationId xmlns:a16="http://schemas.microsoft.com/office/drawing/2014/main" id="{AD795EB7-4F98-FB31-CE1B-860A71EF3D3C}"/>
-                </a:ext>
-              </a:extLst>
-            </p:cNvPr>
-            <p:cNvPicPr>
-              <a:picLocks noChangeAspect="1"/>
-            </p:cNvPicPr>
-            <p:nvPr/>
-          </p:nvPicPr>
-          <p:blipFill>
-            <a:blip r:embed="rId10">
-              <a:extLst>
-                <a:ext uri="{28A0092B-C50C-407E-A947-70E740481C1C}">
-                  <a14:useLocalDpi xmlns:a14="http://schemas.microsoft.com/office/drawing/2010/main" val="0"/>
-                </a:ext>
-                <a:ext uri="{96DAC541-7B7A-43D3-8B79-37D633B846F1}">
-                  <asvg:svgBlip xmlns:asvg="http://schemas.microsoft.com/office/drawing/2016/SVG/main" r:embed="rId11"/>
-                </a:ext>
-              </a:extLst>
-            </a:blip>
-            <a:stretch>
-              <a:fillRect/>
-            </a:stretch>
-          </p:blipFill>
-          <p:spPr>
-            <a:xfrm>
-              <a:off x="10717403" y="4750955"/>
-              <a:ext cx="576000" cy="576000"/>
-            </a:xfrm>
-            <a:prstGeom prst="rect">
-              <a:avLst/>
-            </a:prstGeom>
-          </p:spPr>
-        </p:pic>
+          <p:style>
+            <a:lnRef idx="2">
+              <a:schemeClr val="accent1">
+                <a:shade val="50000"/>
+              </a:schemeClr>
+            </a:lnRef>
+            <a:fillRef idx="1">
+              <a:schemeClr val="accent1"/>
+            </a:fillRef>
+            <a:effectRef idx="0">
+              <a:schemeClr val="accent1"/>
+            </a:effectRef>
+            <a:fontRef idx="minor">
+              <a:schemeClr val="lt1"/>
+            </a:fontRef>
+          </p:style>
+          <p:txBody>
+            <a:bodyPr rtlCol="0" anchor="ctr"/>
+            <a:lstStyle/>
+            <a:p>
+              <a:pPr algn="ctr"/>
+              <a:endParaRPr lang="en-US"/>
+            </a:p>
+          </p:txBody>
+        </p:sp>
       </p:grpSp>
+      <p:sp>
+        <p:nvSpPr>
+          <p:cNvPr id="13" name="TextBox 9">
+            <a:extLst>
+              <a:ext uri="{FF2B5EF4-FFF2-40B4-BE49-F238E27FC236}">
+                <a16:creationId xmlns:a16="http://schemas.microsoft.com/office/drawing/2014/main" id="{8F1562FC-8D2C-9EC8-7C7C-1AC279A0D115}"/>
+              </a:ext>
+            </a:extLst>
+          </p:cNvPr>
+          <p:cNvSpPr txBox="1"/>
+          <p:nvPr/>
+        </p:nvSpPr>
+        <p:spPr>
+          <a:xfrm>
+            <a:off x="8078603" y="5016560"/>
+            <a:ext cx="3456000" cy="230400"/>
+          </a:xfrm>
+          <a:prstGeom prst="rect">
+            <a:avLst/>
+          </a:prstGeom>
+          <a:noFill/>
+        </p:spPr>
+        <p:txBody>
+          <a:bodyPr wrap="square">
+            <a:spAutoFit/>
+          </a:bodyPr>
+          <a:lstStyle/>
+          <a:p>
+            <a:r>
+              <a:rPr lang="en-US" sz="1100" dirty="0"/>
+              <a:t>src: </a:t>
+            </a:r>
+            <a:r>
+              <a:rPr lang="en-US" sz="1100" dirty="0">
+                <a:hlinkClick r:id="rId4"/>
+              </a:rPr>
+              <a:t>https://www.bilibili.tv/en/video/4787736782838275</a:t>
+            </a:r>
+            <a:endParaRPr lang="en-US" sz="1100" dirty="0"/>
+          </a:p>
+        </p:txBody>
+      </p:sp>
     </p:spTree>
     <p:extLst>
       <p:ext uri="{BB962C8B-B14F-4D97-AF65-F5344CB8AC3E}">
@@ -8853,8 +9203,8 @@
         </p:nvSpPr>
         <p:spPr>
           <a:xfrm>
-            <a:off x="838200" y="1531044"/>
-            <a:ext cx="8881836" cy="4398640"/>
+            <a:off x="838199" y="1531044"/>
+            <a:ext cx="6950725" cy="4152419"/>
           </a:xfrm>
           <a:prstGeom prst="rect">
             <a:avLst/>
@@ -8879,7 +9229,7 @@
               </a:tabLst>
             </a:pPr>
             <a:r>
-              <a:rPr lang="en-GB" sz="2800" spc="-5" dirty="0">
+              <a:rPr lang="en-GB" sz="2400" spc="-5" dirty="0">
                 <a:cs typeface="Calibri"/>
               </a:rPr>
               <a:t>Which attribute to choose at each splitting node?</a:t>
@@ -8899,7 +9249,7 @@
               </a:tabLst>
             </a:pPr>
             <a:r>
-              <a:rPr lang="en-GB" sz="2800" spc="-5" dirty="0">
+              <a:rPr lang="en-GB" sz="2400" spc="-5" dirty="0">
                 <a:cs typeface="Calibri"/>
               </a:rPr>
               <a:t>A small sample can often be enough to choose the optimal  splitting attribute</a:t>
@@ -8919,7 +9269,7 @@
               </a:tabLst>
             </a:pPr>
             <a:r>
-              <a:rPr lang="en-GB" sz="2800" spc="-5" dirty="0">
+              <a:rPr lang="en-GB" sz="2400" spc="-5" dirty="0">
                 <a:cs typeface="Calibri"/>
               </a:rPr>
               <a:t>Collect sufficient statistics from a small set of  examples</a:t>
@@ -8939,7 +9289,7 @@
               </a:tabLst>
             </a:pPr>
             <a:r>
-              <a:rPr lang="en-GB" sz="2800" spc="-5" dirty="0">
+              <a:rPr lang="en-GB" sz="2400" spc="-5" dirty="0">
                 <a:cs typeface="Calibri"/>
               </a:rPr>
               <a:t>Estimate the merit of each attribute</a:t>
@@ -8959,7 +9309,7 @@
               </a:tabLst>
             </a:pPr>
             <a:r>
-              <a:rPr lang="en-GB" sz="2800" spc="-5" dirty="0">
+              <a:rPr lang="en-GB" sz="2400" spc="-5" dirty="0">
                 <a:cs typeface="Calibri"/>
               </a:rPr>
               <a:t>How large should be the sample?</a:t>
@@ -8979,7 +9329,7 @@
               </a:tabLst>
             </a:pPr>
             <a:r>
-              <a:rPr lang="en-GB" sz="2800" b="1" spc="-5" dirty="0">
+              <a:rPr lang="en-GB" sz="2400" b="1" spc="-5" dirty="0">
                 <a:solidFill>
                   <a:srgbClr val="C00000"/>
                 </a:solidFill>
@@ -8988,7 +9338,7 @@
               <a:t>Fixed size</a:t>
             </a:r>
             <a:r>
-              <a:rPr lang="en-GB" sz="2800" spc="-5" dirty="0">
+              <a:rPr lang="en-GB" sz="2400" spc="-5" dirty="0">
                 <a:solidFill>
                   <a:srgbClr val="C00000"/>
                 </a:solidFill>
@@ -8997,7 +9347,7 @@
               <a:t>: defined </a:t>
             </a:r>
             <a:r>
-              <a:rPr lang="en-GB" sz="2800" i="1" spc="-5" dirty="0">
+              <a:rPr lang="en-GB" sz="2400" i="1" spc="-5" dirty="0">
                 <a:solidFill>
                   <a:srgbClr val="C00000"/>
                 </a:solidFill>
@@ -9006,7 +9356,7 @@
               <a:t>a-priori</a:t>
             </a:r>
             <a:r>
-              <a:rPr lang="en-GB" sz="2800" spc="-5" dirty="0">
+              <a:rPr lang="en-GB" sz="2400" spc="-5" dirty="0">
                 <a:solidFill>
                   <a:srgbClr val="C00000"/>
                 </a:solidFill>
@@ -9029,7 +9379,7 @@
               </a:tabLst>
             </a:pPr>
             <a:r>
-              <a:rPr lang="en-GB" sz="2800" b="1" spc="-5" dirty="0">
+              <a:rPr lang="en-GB" sz="2400" b="1" spc="-5" dirty="0">
                 <a:solidFill>
                   <a:srgbClr val="202729"/>
                 </a:solidFill>
@@ -9039,7 +9389,7 @@
               <a:t>Moving </a:t>
             </a:r>
             <a:r>
-              <a:rPr lang="en-GB" sz="2800" b="1" dirty="0">
+              <a:rPr lang="en-GB" sz="2400" b="1" dirty="0">
                 <a:solidFill>
                   <a:srgbClr val="202729"/>
                 </a:solidFill>
@@ -9049,7 +9399,7 @@
               <a:t>size</a:t>
             </a:r>
             <a:r>
-              <a:rPr lang="en-GB" sz="2800" dirty="0">
+              <a:rPr lang="en-GB" sz="2400" dirty="0">
                 <a:solidFill>
                   <a:srgbClr val="202729"/>
                 </a:solidFill>
@@ -9059,7 +9409,7 @@
               <a:t>: </a:t>
             </a:r>
             <a:r>
-              <a:rPr lang="en-GB" sz="2800" spc="-5" dirty="0">
+              <a:rPr lang="en-GB" sz="2400" spc="-5" dirty="0">
                 <a:solidFill>
                   <a:srgbClr val="202729"/>
                 </a:solidFill>
@@ -9069,7 +9419,7 @@
               <a:t>Choose </a:t>
             </a:r>
             <a:r>
-              <a:rPr lang="en-GB" sz="2800" dirty="0">
+              <a:rPr lang="en-GB" sz="2400" dirty="0">
                 <a:solidFill>
                   <a:srgbClr val="202729"/>
                 </a:solidFill>
@@ -9079,7 +9429,7 @@
               <a:t>the sample size that </a:t>
             </a:r>
             <a:r>
-              <a:rPr lang="en-GB" sz="2800" spc="-5" dirty="0">
+              <a:rPr lang="en-GB" sz="2400" spc="-5" dirty="0">
                 <a:solidFill>
                   <a:srgbClr val="202729"/>
                 </a:solidFill>
@@ -9089,7 +9439,7 @@
               <a:t>allow </a:t>
             </a:r>
             <a:r>
-              <a:rPr lang="en-GB" sz="2800" dirty="0">
+              <a:rPr lang="en-GB" sz="2400" dirty="0">
                 <a:solidFill>
                   <a:srgbClr val="202729"/>
                 </a:solidFill>
@@ -9099,7 +9449,7 @@
               <a:t>to </a:t>
             </a:r>
             <a:r>
-              <a:rPr lang="en-GB" sz="2800" spc="-440" dirty="0">
+              <a:rPr lang="en-GB" sz="2400" spc="-440" dirty="0">
                 <a:solidFill>
                   <a:srgbClr val="202729"/>
                 </a:solidFill>
@@ -9109,7 +9459,7 @@
               <a:t> </a:t>
             </a:r>
             <a:r>
-              <a:rPr lang="en-GB" sz="2800" spc="-5" dirty="0">
+              <a:rPr lang="en-GB" sz="2400" spc="-5" dirty="0">
                 <a:solidFill>
                   <a:srgbClr val="202729"/>
                 </a:solidFill>
@@ -9119,7 +9469,7 @@
               <a:t>differentiate between </a:t>
             </a:r>
             <a:r>
-              <a:rPr lang="en-GB" sz="2800" dirty="0">
+              <a:rPr lang="en-GB" sz="2400" dirty="0">
                 <a:solidFill>
                   <a:srgbClr val="202729"/>
                 </a:solidFill>
@@ -9128,249 +9478,13 @@
               </a:rPr>
               <a:t>the alternatives.</a:t>
             </a:r>
-            <a:endParaRPr lang="en-GB" sz="2800" dirty="0">
+            <a:endParaRPr lang="en-GB" sz="2400" dirty="0">
               <a:latin typeface="Calibri"/>
               <a:cs typeface="Calibri"/>
             </a:endParaRPr>
           </a:p>
         </p:txBody>
       </p:sp>
-      <p:grpSp>
-        <p:nvGrpSpPr>
-          <p:cNvPr id="36" name="Gruppo 35">
-            <a:extLst>
-              <a:ext uri="{FF2B5EF4-FFF2-40B4-BE49-F238E27FC236}">
-                <a16:creationId xmlns:a16="http://schemas.microsoft.com/office/drawing/2014/main" id="{EB322D20-176B-D818-A495-799775C6E4BE}"/>
-              </a:ext>
-            </a:extLst>
-          </p:cNvPr>
-          <p:cNvGrpSpPr/>
-          <p:nvPr/>
-        </p:nvGrpSpPr>
-        <p:grpSpPr>
-          <a:xfrm>
-            <a:off x="9293805" y="1225447"/>
-            <a:ext cx="2147192" cy="4101508"/>
-            <a:chOff x="9293805" y="1225447"/>
-            <a:chExt cx="2147192" cy="4101508"/>
-          </a:xfrm>
-        </p:grpSpPr>
-        <p:pic>
-          <p:nvPicPr>
-            <p:cNvPr id="30" name="object 42">
-              <a:extLst>
-                <a:ext uri="{FF2B5EF4-FFF2-40B4-BE49-F238E27FC236}">
-                  <a16:creationId xmlns:a16="http://schemas.microsoft.com/office/drawing/2014/main" id="{90C7E925-8538-499A-FFC6-12DD767E9794}"/>
-                </a:ext>
-              </a:extLst>
-            </p:cNvPr>
-            <p:cNvPicPr/>
-            <p:nvPr/>
-          </p:nvPicPr>
-          <p:blipFill>
-            <a:blip r:embed="rId3" cstate="print"/>
-            <a:stretch>
-              <a:fillRect/>
-            </a:stretch>
-          </p:blipFill>
-          <p:spPr>
-            <a:xfrm>
-              <a:off x="9882571" y="1802311"/>
-              <a:ext cx="908028" cy="231840"/>
-            </a:xfrm>
-            <a:prstGeom prst="rect">
-              <a:avLst/>
-            </a:prstGeom>
-          </p:spPr>
-        </p:pic>
-        <p:pic>
-          <p:nvPicPr>
-            <p:cNvPr id="31" name="Immagine 30">
-              <a:extLst>
-                <a:ext uri="{FF2B5EF4-FFF2-40B4-BE49-F238E27FC236}">
-                  <a16:creationId xmlns:a16="http://schemas.microsoft.com/office/drawing/2014/main" id="{85330359-A586-21C0-C40B-87A25885835B}"/>
-                </a:ext>
-              </a:extLst>
-            </p:cNvPr>
-            <p:cNvPicPr>
-              <a:picLocks noChangeAspect="1"/>
-            </p:cNvPicPr>
-            <p:nvPr/>
-          </p:nvPicPr>
-          <p:blipFill rotWithShape="1">
-            <a:blip r:embed="rId4">
-              <a:extLst>
-                <a:ext uri="{28A0092B-C50C-407E-A947-70E740481C1C}">
-                  <a14:useLocalDpi xmlns:a14="http://schemas.microsoft.com/office/drawing/2010/main" val="0"/>
-                </a:ext>
-              </a:extLst>
-            </a:blip>
-            <a:srcRect l="3152" t="13212" r="17606" b="22723"/>
-            <a:stretch/>
-          </p:blipFill>
-          <p:spPr>
-            <a:xfrm>
-              <a:off x="9293805" y="1225447"/>
-              <a:ext cx="1639190" cy="1788208"/>
-            </a:xfrm>
-            <a:prstGeom prst="rect">
-              <a:avLst/>
-            </a:prstGeom>
-          </p:spPr>
-        </p:pic>
-        <p:pic>
-          <p:nvPicPr>
-            <p:cNvPr id="32" name="Immagine 31">
-              <a:extLst>
-                <a:ext uri="{FF2B5EF4-FFF2-40B4-BE49-F238E27FC236}">
-                  <a16:creationId xmlns:a16="http://schemas.microsoft.com/office/drawing/2014/main" id="{AA8ADEBD-8FE7-DAAD-95F0-5283B3E6161F}"/>
-                </a:ext>
-              </a:extLst>
-            </p:cNvPr>
-            <p:cNvPicPr>
-              <a:picLocks noChangeAspect="1"/>
-            </p:cNvPicPr>
-            <p:nvPr/>
-          </p:nvPicPr>
-          <p:blipFill rotWithShape="1">
-            <a:blip r:embed="rId5">
-              <a:extLst>
-                <a:ext uri="{28A0092B-C50C-407E-A947-70E740481C1C}">
-                  <a14:useLocalDpi xmlns:a14="http://schemas.microsoft.com/office/drawing/2010/main" val="0"/>
-                </a:ext>
-              </a:extLst>
-            </a:blip>
-            <a:srcRect t="47773" b="-6557"/>
-            <a:stretch/>
-          </p:blipFill>
-          <p:spPr>
-            <a:xfrm>
-              <a:off x="9441780" y="3010994"/>
-              <a:ext cx="1999217" cy="2214028"/>
-            </a:xfrm>
-            <a:prstGeom prst="rect">
-              <a:avLst/>
-            </a:prstGeom>
-          </p:spPr>
-        </p:pic>
-        <p:pic>
-          <p:nvPicPr>
-            <p:cNvPr id="33" name="Elemento grafico 32" descr="Bicchiere di frappè con riempimento a tinta unita">
-              <a:extLst>
-                <a:ext uri="{FF2B5EF4-FFF2-40B4-BE49-F238E27FC236}">
-                  <a16:creationId xmlns:a16="http://schemas.microsoft.com/office/drawing/2014/main" id="{1398DEA4-1888-9A06-56D7-CE2713FCED1F}"/>
-                </a:ext>
-              </a:extLst>
-            </p:cNvPr>
-            <p:cNvPicPr>
-              <a:picLocks noChangeAspect="1"/>
-            </p:cNvPicPr>
-            <p:nvPr/>
-          </p:nvPicPr>
-          <p:blipFill>
-            <a:blip r:embed="rId6">
-              <a:extLst>
-                <a:ext uri="{28A0092B-C50C-407E-A947-70E740481C1C}">
-                  <a14:useLocalDpi xmlns:a14="http://schemas.microsoft.com/office/drawing/2010/main" val="0"/>
-                </a:ext>
-                <a:ext uri="{96DAC541-7B7A-43D3-8B79-37D633B846F1}">
-                  <asvg:svgBlip xmlns:asvg="http://schemas.microsoft.com/office/drawing/2016/SVG/main" r:embed="rId7"/>
-                </a:ext>
-              </a:extLst>
-            </a:blip>
-            <a:stretch>
-              <a:fillRect/>
-            </a:stretch>
-          </p:blipFill>
-          <p:spPr>
-            <a:xfrm>
-              <a:off x="9359531" y="3035672"/>
-              <a:ext cx="539757" cy="539757"/>
-            </a:xfrm>
-            <a:prstGeom prst="rect">
-              <a:avLst/>
-            </a:prstGeom>
-          </p:spPr>
-        </p:pic>
-        <p:pic>
-          <p:nvPicPr>
-            <p:cNvPr id="34" name="Elemento grafico 33" descr="Vino con riempimento a tinta unita">
-              <a:extLst>
-                <a:ext uri="{FF2B5EF4-FFF2-40B4-BE49-F238E27FC236}">
-                  <a16:creationId xmlns:a16="http://schemas.microsoft.com/office/drawing/2014/main" id="{10AE74FC-5397-7EB5-6180-9CE88F2757CD}"/>
-                </a:ext>
-              </a:extLst>
-            </p:cNvPr>
-            <p:cNvPicPr>
-              <a:picLocks noChangeAspect="1"/>
-            </p:cNvPicPr>
-            <p:nvPr/>
-          </p:nvPicPr>
-          <p:blipFill>
-            <a:blip r:embed="rId8">
-              <a:extLst>
-                <a:ext uri="{28A0092B-C50C-407E-A947-70E740481C1C}">
-                  <a14:useLocalDpi xmlns:a14="http://schemas.microsoft.com/office/drawing/2010/main" val="0"/>
-                </a:ext>
-                <a:ext uri="{96DAC541-7B7A-43D3-8B79-37D633B846F1}">
-                  <asvg:svgBlip xmlns:asvg="http://schemas.microsoft.com/office/drawing/2016/SVG/main" r:embed="rId9"/>
-                </a:ext>
-              </a:extLst>
-            </a:blip>
-            <a:stretch>
-              <a:fillRect/>
-            </a:stretch>
-          </p:blipFill>
-          <p:spPr>
-            <a:xfrm>
-              <a:off x="10014868" y="4743027"/>
-              <a:ext cx="540000" cy="540000"/>
-            </a:xfrm>
-            <a:prstGeom prst="rect">
-              <a:avLst/>
-            </a:prstGeom>
-          </p:spPr>
-        </p:pic>
-        <p:pic>
-          <p:nvPicPr>
-            <p:cNvPr id="35" name="Elemento grafico 34" descr="Martini con riempimento a tinta unita">
-              <a:extLst>
-                <a:ext uri="{FF2B5EF4-FFF2-40B4-BE49-F238E27FC236}">
-                  <a16:creationId xmlns:a16="http://schemas.microsoft.com/office/drawing/2014/main" id="{AD795EB7-4F98-FB31-CE1B-860A71EF3D3C}"/>
-                </a:ext>
-              </a:extLst>
-            </p:cNvPr>
-            <p:cNvPicPr>
-              <a:picLocks noChangeAspect="1"/>
-            </p:cNvPicPr>
-            <p:nvPr/>
-          </p:nvPicPr>
-          <p:blipFill>
-            <a:blip r:embed="rId10">
-              <a:extLst>
-                <a:ext uri="{28A0092B-C50C-407E-A947-70E740481C1C}">
-                  <a14:useLocalDpi xmlns:a14="http://schemas.microsoft.com/office/drawing/2010/main" val="0"/>
-                </a:ext>
-                <a:ext uri="{96DAC541-7B7A-43D3-8B79-37D633B846F1}">
-                  <asvg:svgBlip xmlns:asvg="http://schemas.microsoft.com/office/drawing/2016/SVG/main" r:embed="rId11"/>
-                </a:ext>
-              </a:extLst>
-            </a:blip>
-            <a:stretch>
-              <a:fillRect/>
-            </a:stretch>
-          </p:blipFill>
-          <p:spPr>
-            <a:xfrm>
-              <a:off x="10717403" y="4750955"/>
-              <a:ext cx="576000" cy="576000"/>
-            </a:xfrm>
-            <a:prstGeom prst="rect">
-              <a:avLst/>
-            </a:prstGeom>
-          </p:spPr>
-        </p:pic>
-      </p:grpSp>
       <p:pic>
         <p:nvPicPr>
           <p:cNvPr id="2" name="object 32">
@@ -9384,14 +9498,14 @@
           <p:nvPr/>
         </p:nvPicPr>
         <p:blipFill>
-          <a:blip r:embed="rId12" cstate="print"/>
+          <a:blip r:embed="rId3" cstate="print"/>
           <a:stretch>
             <a:fillRect/>
           </a:stretch>
         </p:blipFill>
         <p:spPr>
           <a:xfrm>
-            <a:off x="838200" y="4691600"/>
+            <a:off x="789626" y="4223621"/>
             <a:ext cx="361040" cy="327442"/>
           </a:xfrm>
           <a:prstGeom prst="rect">
@@ -9412,14 +9526,14 @@
           <p:nvPr/>
         </p:nvPicPr>
         <p:blipFill>
-          <a:blip r:embed="rId13" cstate="print"/>
+          <a:blip r:embed="rId4" cstate="print"/>
           <a:stretch>
             <a:fillRect/>
           </a:stretch>
         </p:blipFill>
         <p:spPr>
           <a:xfrm>
-            <a:off x="858319" y="5163234"/>
+            <a:off x="789626" y="4970301"/>
             <a:ext cx="376554" cy="327441"/>
           </a:xfrm>
           <a:prstGeom prst="rect">
@@ -9427,6 +9541,427 @@
           </a:prstGeom>
         </p:spPr>
       </p:pic>
+      <p:grpSp>
+        <p:nvGrpSpPr>
+          <p:cNvPr id="7" name="Gruppo 6">
+            <a:extLst>
+              <a:ext uri="{FF2B5EF4-FFF2-40B4-BE49-F238E27FC236}">
+                <a16:creationId xmlns:a16="http://schemas.microsoft.com/office/drawing/2014/main" id="{411417A5-6AD5-99F3-DB2F-3309B9A51443}"/>
+              </a:ext>
+            </a:extLst>
+          </p:cNvPr>
+          <p:cNvGrpSpPr/>
+          <p:nvPr/>
+        </p:nvGrpSpPr>
+        <p:grpSpPr>
+          <a:xfrm>
+            <a:off x="7788924" y="2161718"/>
+            <a:ext cx="4416989" cy="2891069"/>
+            <a:chOff x="2944793" y="3791122"/>
+            <a:chExt cx="3428513" cy="2252051"/>
+          </a:xfrm>
+        </p:grpSpPr>
+        <p:pic>
+          <p:nvPicPr>
+            <p:cNvPr id="8" name="Picture 6" descr="Groot's Evolution in the MCU (2014-2023) Guardians of the Galaxy - YouTube">
+              <a:extLst>
+                <a:ext uri="{FF2B5EF4-FFF2-40B4-BE49-F238E27FC236}">
+                  <a16:creationId xmlns:a16="http://schemas.microsoft.com/office/drawing/2014/main" id="{842ABB5B-9608-F64C-A626-EB74780F023D}"/>
+                </a:ext>
+              </a:extLst>
+            </p:cNvPr>
+            <p:cNvPicPr>
+              <a:picLocks noChangeAspect="1" noChangeArrowheads="1"/>
+            </p:cNvPicPr>
+            <p:nvPr/>
+          </p:nvPicPr>
+          <p:blipFill rotWithShape="1">
+            <a:blip r:embed="rId5">
+              <a:extLst>
+                <a:ext uri="{28A0092B-C50C-407E-A947-70E740481C1C}">
+                  <a14:useLocalDpi xmlns:a14="http://schemas.microsoft.com/office/drawing/2010/main" val="0"/>
+                </a:ext>
+              </a:extLst>
+            </a:blip>
+            <a:srcRect l="19924" r="18450"/>
+            <a:stretch/>
+          </p:blipFill>
+          <p:spPr bwMode="auto">
+            <a:xfrm>
+              <a:off x="2944793" y="3802140"/>
+              <a:ext cx="2386357" cy="2178160"/>
+            </a:xfrm>
+            <a:prstGeom prst="rect">
+              <a:avLst/>
+            </a:prstGeom>
+            <a:noFill/>
+            <a:extLst>
+              <a:ext uri="{909E8E84-426E-40DD-AFC4-6F175D3DCCD1}">
+                <a14:hiddenFill xmlns:a14="http://schemas.microsoft.com/office/drawing/2010/main">
+                  <a:solidFill>
+                    <a:srgbClr val="FFFFFF"/>
+                  </a:solidFill>
+                </a14:hiddenFill>
+              </a:ext>
+            </a:extLst>
+          </p:spPr>
+        </p:pic>
+        <p:pic>
+          <p:nvPicPr>
+            <p:cNvPr id="9" name="Picture 6" descr="Groot's Evolution in the MCU (2014-2023) Guardians of the Galaxy - YouTube">
+              <a:extLst>
+                <a:ext uri="{FF2B5EF4-FFF2-40B4-BE49-F238E27FC236}">
+                  <a16:creationId xmlns:a16="http://schemas.microsoft.com/office/drawing/2014/main" id="{C7B233BE-FF40-8366-237D-2F09C1253DDB}"/>
+                </a:ext>
+              </a:extLst>
+            </p:cNvPr>
+            <p:cNvPicPr>
+              <a:picLocks noChangeAspect="1" noChangeArrowheads="1"/>
+            </p:cNvPicPr>
+            <p:nvPr/>
+          </p:nvPicPr>
+          <p:blipFill rotWithShape="1">
+            <a:blip r:embed="rId5">
+              <a:extLst>
+                <a:ext uri="{28A0092B-C50C-407E-A947-70E740481C1C}">
+                  <a14:useLocalDpi xmlns:a14="http://schemas.microsoft.com/office/drawing/2010/main" val="0"/>
+                </a:ext>
+              </a:extLst>
+            </a:blip>
+            <a:srcRect l="-133" r="73220"/>
+            <a:stretch/>
+          </p:blipFill>
+          <p:spPr bwMode="auto">
+            <a:xfrm>
+              <a:off x="5331150" y="3802140"/>
+              <a:ext cx="1042156" cy="2178160"/>
+            </a:xfrm>
+            <a:prstGeom prst="rect">
+              <a:avLst/>
+            </a:prstGeom>
+            <a:noFill/>
+            <a:extLst>
+              <a:ext uri="{909E8E84-426E-40DD-AFC4-6F175D3DCCD1}">
+                <a14:hiddenFill xmlns:a14="http://schemas.microsoft.com/office/drawing/2010/main">
+                  <a:solidFill>
+                    <a:srgbClr val="FFFFFF"/>
+                  </a:solidFill>
+                </a14:hiddenFill>
+              </a:ext>
+            </a:extLst>
+          </p:spPr>
+        </p:pic>
+        <p:sp>
+          <p:nvSpPr>
+            <p:cNvPr id="10" name="Freeform 7">
+              <a:extLst>
+                <a:ext uri="{FF2B5EF4-FFF2-40B4-BE49-F238E27FC236}">
+                  <a16:creationId xmlns:a16="http://schemas.microsoft.com/office/drawing/2014/main" id="{7C4D8F7E-CDC8-F142-CB4D-45D29FE641DD}"/>
+                </a:ext>
+              </a:extLst>
+            </p:cNvPr>
+            <p:cNvSpPr/>
+            <p:nvPr/>
+          </p:nvSpPr>
+          <p:spPr>
+            <a:xfrm>
+              <a:off x="6041620" y="3791122"/>
+              <a:ext cx="331686" cy="2252051"/>
+            </a:xfrm>
+            <a:custGeom>
+              <a:avLst/>
+              <a:gdLst>
+                <a:gd name="connsiteX0" fmla="*/ 0 w 545006"/>
+                <a:gd name="connsiteY0" fmla="*/ 0 h 3796880"/>
+                <a:gd name="connsiteX1" fmla="*/ 0 w 545006"/>
+                <a:gd name="connsiteY1" fmla="*/ 199836 h 3796880"/>
+                <a:gd name="connsiteX2" fmla="*/ 78723 w 545006"/>
+                <a:gd name="connsiteY2" fmla="*/ 145335 h 3796880"/>
+                <a:gd name="connsiteX3" fmla="*/ 133224 w 545006"/>
+                <a:gd name="connsiteY3" fmla="*/ 145335 h 3796880"/>
+                <a:gd name="connsiteX4" fmla="*/ 127168 w 545006"/>
+                <a:gd name="connsiteY4" fmla="*/ 218003 h 3796880"/>
+                <a:gd name="connsiteX5" fmla="*/ 248281 w 545006"/>
+                <a:gd name="connsiteY5" fmla="*/ 139280 h 3796880"/>
+                <a:gd name="connsiteX6" fmla="*/ 351226 w 545006"/>
+                <a:gd name="connsiteY6" fmla="*/ 139280 h 3796880"/>
+                <a:gd name="connsiteX7" fmla="*/ 375449 w 545006"/>
+                <a:gd name="connsiteY7" fmla="*/ 187725 h 3796880"/>
+                <a:gd name="connsiteX8" fmla="*/ 351226 w 545006"/>
+                <a:gd name="connsiteY8" fmla="*/ 327004 h 3796880"/>
+                <a:gd name="connsiteX9" fmla="*/ 236169 w 545006"/>
+                <a:gd name="connsiteY9" fmla="*/ 466284 h 3796880"/>
+                <a:gd name="connsiteX10" fmla="*/ 236169 w 545006"/>
+                <a:gd name="connsiteY10" fmla="*/ 466284 h 3796880"/>
+                <a:gd name="connsiteX11" fmla="*/ 351226 w 545006"/>
+                <a:gd name="connsiteY11" fmla="*/ 417839 h 3796880"/>
+                <a:gd name="connsiteX12" fmla="*/ 375449 w 545006"/>
+                <a:gd name="connsiteY12" fmla="*/ 448117 h 3796880"/>
+                <a:gd name="connsiteX13" fmla="*/ 375449 w 545006"/>
+                <a:gd name="connsiteY13" fmla="*/ 448117 h 3796880"/>
+                <a:gd name="connsiteX14" fmla="*/ 442061 w 545006"/>
+                <a:gd name="connsiteY14" fmla="*/ 399672 h 3796880"/>
+                <a:gd name="connsiteX15" fmla="*/ 454172 w 545006"/>
+                <a:gd name="connsiteY15" fmla="*/ 532896 h 3796880"/>
+                <a:gd name="connsiteX16" fmla="*/ 472339 w 545006"/>
+                <a:gd name="connsiteY16" fmla="*/ 551062 h 3796880"/>
+                <a:gd name="connsiteX17" fmla="*/ 381504 w 545006"/>
+                <a:gd name="connsiteY17" fmla="*/ 629786 h 3796880"/>
+                <a:gd name="connsiteX18" fmla="*/ 381504 w 545006"/>
+                <a:gd name="connsiteY18" fmla="*/ 684286 h 3796880"/>
+                <a:gd name="connsiteX19" fmla="*/ 169557 w 545006"/>
+                <a:gd name="connsiteY19" fmla="*/ 805399 h 3796880"/>
+                <a:gd name="connsiteX20" fmla="*/ 12111 w 545006"/>
+                <a:gd name="connsiteY20" fmla="*/ 884122 h 3796880"/>
+                <a:gd name="connsiteX21" fmla="*/ 6055 w 545006"/>
+                <a:gd name="connsiteY21" fmla="*/ 3796880 h 3796880"/>
+                <a:gd name="connsiteX22" fmla="*/ 545006 w 545006"/>
+                <a:gd name="connsiteY22" fmla="*/ 3778713 h 3796880"/>
+                <a:gd name="connsiteX23" fmla="*/ 545006 w 545006"/>
+                <a:gd name="connsiteY23" fmla="*/ 12111 h 3796880"/>
+                <a:gd name="connsiteX24" fmla="*/ 0 w 545006"/>
+                <a:gd name="connsiteY24" fmla="*/ 0 h 3796880"/>
+              </a:gdLst>
+              <a:ahLst/>
+              <a:cxnLst>
+                <a:cxn ang="0">
+                  <a:pos x="connsiteX0" y="connsiteY0"/>
+                </a:cxn>
+                <a:cxn ang="0">
+                  <a:pos x="connsiteX1" y="connsiteY1"/>
+                </a:cxn>
+                <a:cxn ang="0">
+                  <a:pos x="connsiteX2" y="connsiteY2"/>
+                </a:cxn>
+                <a:cxn ang="0">
+                  <a:pos x="connsiteX3" y="connsiteY3"/>
+                </a:cxn>
+                <a:cxn ang="0">
+                  <a:pos x="connsiteX4" y="connsiteY4"/>
+                </a:cxn>
+                <a:cxn ang="0">
+                  <a:pos x="connsiteX5" y="connsiteY5"/>
+                </a:cxn>
+                <a:cxn ang="0">
+                  <a:pos x="connsiteX6" y="connsiteY6"/>
+                </a:cxn>
+                <a:cxn ang="0">
+                  <a:pos x="connsiteX7" y="connsiteY7"/>
+                </a:cxn>
+                <a:cxn ang="0">
+                  <a:pos x="connsiteX8" y="connsiteY8"/>
+                </a:cxn>
+                <a:cxn ang="0">
+                  <a:pos x="connsiteX9" y="connsiteY9"/>
+                </a:cxn>
+                <a:cxn ang="0">
+                  <a:pos x="connsiteX10" y="connsiteY10"/>
+                </a:cxn>
+                <a:cxn ang="0">
+                  <a:pos x="connsiteX11" y="connsiteY11"/>
+                </a:cxn>
+                <a:cxn ang="0">
+                  <a:pos x="connsiteX12" y="connsiteY12"/>
+                </a:cxn>
+                <a:cxn ang="0">
+                  <a:pos x="connsiteX13" y="connsiteY13"/>
+                </a:cxn>
+                <a:cxn ang="0">
+                  <a:pos x="connsiteX14" y="connsiteY14"/>
+                </a:cxn>
+                <a:cxn ang="0">
+                  <a:pos x="connsiteX15" y="connsiteY15"/>
+                </a:cxn>
+                <a:cxn ang="0">
+                  <a:pos x="connsiteX16" y="connsiteY16"/>
+                </a:cxn>
+                <a:cxn ang="0">
+                  <a:pos x="connsiteX17" y="connsiteY17"/>
+                </a:cxn>
+                <a:cxn ang="0">
+                  <a:pos x="connsiteX18" y="connsiteY18"/>
+                </a:cxn>
+                <a:cxn ang="0">
+                  <a:pos x="connsiteX19" y="connsiteY19"/>
+                </a:cxn>
+                <a:cxn ang="0">
+                  <a:pos x="connsiteX20" y="connsiteY20"/>
+                </a:cxn>
+                <a:cxn ang="0">
+                  <a:pos x="connsiteX21" y="connsiteY21"/>
+                </a:cxn>
+                <a:cxn ang="0">
+                  <a:pos x="connsiteX22" y="connsiteY22"/>
+                </a:cxn>
+                <a:cxn ang="0">
+                  <a:pos x="connsiteX23" y="connsiteY23"/>
+                </a:cxn>
+                <a:cxn ang="0">
+                  <a:pos x="connsiteX24" y="connsiteY24"/>
+                </a:cxn>
+              </a:cxnLst>
+              <a:rect l="l" t="t" r="r" b="b"/>
+              <a:pathLst>
+                <a:path w="545006" h="3796880">
+                  <a:moveTo>
+                    <a:pt x="0" y="0"/>
+                  </a:moveTo>
+                  <a:lnTo>
+                    <a:pt x="0" y="199836"/>
+                  </a:lnTo>
+                  <a:lnTo>
+                    <a:pt x="78723" y="145335"/>
+                  </a:lnTo>
+                  <a:lnTo>
+                    <a:pt x="133224" y="145335"/>
+                  </a:lnTo>
+                  <a:lnTo>
+                    <a:pt x="127168" y="218003"/>
+                  </a:lnTo>
+                  <a:lnTo>
+                    <a:pt x="248281" y="139280"/>
+                  </a:lnTo>
+                  <a:lnTo>
+                    <a:pt x="351226" y="139280"/>
+                  </a:lnTo>
+                  <a:lnTo>
+                    <a:pt x="375449" y="187725"/>
+                  </a:lnTo>
+                  <a:lnTo>
+                    <a:pt x="351226" y="327004"/>
+                  </a:lnTo>
+                  <a:lnTo>
+                    <a:pt x="236169" y="466284"/>
+                  </a:lnTo>
+                  <a:lnTo>
+                    <a:pt x="236169" y="466284"/>
+                  </a:lnTo>
+                  <a:lnTo>
+                    <a:pt x="351226" y="417839"/>
+                  </a:lnTo>
+                  <a:lnTo>
+                    <a:pt x="375449" y="448117"/>
+                  </a:lnTo>
+                  <a:lnTo>
+                    <a:pt x="375449" y="448117"/>
+                  </a:lnTo>
+                  <a:lnTo>
+                    <a:pt x="442061" y="399672"/>
+                  </a:lnTo>
+                  <a:lnTo>
+                    <a:pt x="454172" y="532896"/>
+                  </a:lnTo>
+                  <a:lnTo>
+                    <a:pt x="472339" y="551062"/>
+                  </a:lnTo>
+                  <a:lnTo>
+                    <a:pt x="381504" y="629786"/>
+                  </a:lnTo>
+                  <a:lnTo>
+                    <a:pt x="381504" y="684286"/>
+                  </a:lnTo>
+                  <a:lnTo>
+                    <a:pt x="169557" y="805399"/>
+                  </a:lnTo>
+                  <a:lnTo>
+                    <a:pt x="12111" y="884122"/>
+                  </a:lnTo>
+                  <a:cubicBezTo>
+                    <a:pt x="10092" y="1855041"/>
+                    <a:pt x="8074" y="2825961"/>
+                    <a:pt x="6055" y="3796880"/>
+                  </a:cubicBezTo>
+                  <a:lnTo>
+                    <a:pt x="545006" y="3778713"/>
+                  </a:lnTo>
+                  <a:lnTo>
+                    <a:pt x="545006" y="12111"/>
+                  </a:lnTo>
+                  <a:lnTo>
+                    <a:pt x="0" y="0"/>
+                  </a:lnTo>
+                  <a:close/>
+                </a:path>
+              </a:pathLst>
+            </a:custGeom>
+            <a:solidFill>
+              <a:schemeClr val="bg1"/>
+            </a:solidFill>
+            <a:ln>
+              <a:noFill/>
+              <a:prstDash val="sysDash"/>
+              <a:headEnd type="none" w="med" len="med"/>
+              <a:tailEnd type="arrow" w="med" len="med"/>
+            </a:ln>
+          </p:spPr>
+          <p:style>
+            <a:lnRef idx="2">
+              <a:schemeClr val="accent1">
+                <a:shade val="50000"/>
+              </a:schemeClr>
+            </a:lnRef>
+            <a:fillRef idx="1">
+              <a:schemeClr val="accent1"/>
+            </a:fillRef>
+            <a:effectRef idx="0">
+              <a:schemeClr val="accent1"/>
+            </a:effectRef>
+            <a:fontRef idx="minor">
+              <a:schemeClr val="lt1"/>
+            </a:fontRef>
+          </p:style>
+          <p:txBody>
+            <a:bodyPr rtlCol="0" anchor="ctr"/>
+            <a:lstStyle/>
+            <a:p>
+              <a:pPr algn="ctr"/>
+              <a:endParaRPr lang="en-US"/>
+            </a:p>
+          </p:txBody>
+        </p:sp>
+      </p:grpSp>
+      <p:sp>
+        <p:nvSpPr>
+          <p:cNvPr id="11" name="TextBox 9">
+            <a:extLst>
+              <a:ext uri="{FF2B5EF4-FFF2-40B4-BE49-F238E27FC236}">
+                <a16:creationId xmlns:a16="http://schemas.microsoft.com/office/drawing/2014/main" id="{F9FCD97D-69D4-AB3F-397F-31C9DC9802BD}"/>
+              </a:ext>
+            </a:extLst>
+          </p:cNvPr>
+          <p:cNvSpPr txBox="1"/>
+          <p:nvPr/>
+        </p:nvSpPr>
+        <p:spPr>
+          <a:xfrm>
+            <a:off x="8078603" y="5016560"/>
+            <a:ext cx="3456000" cy="230400"/>
+          </a:xfrm>
+          <a:prstGeom prst="rect">
+            <a:avLst/>
+          </a:prstGeom>
+          <a:noFill/>
+        </p:spPr>
+        <p:txBody>
+          <a:bodyPr wrap="square">
+            <a:spAutoFit/>
+          </a:bodyPr>
+          <a:lstStyle/>
+          <a:p>
+            <a:r>
+              <a:rPr lang="en-US" sz="1100" dirty="0"/>
+              <a:t>src: </a:t>
+            </a:r>
+            <a:r>
+              <a:rPr lang="en-US" sz="1100" dirty="0">
+                <a:hlinkClick r:id="rId6"/>
+              </a:rPr>
+              <a:t>https://www.bilibili.tv/en/video/4787736782838275</a:t>
+            </a:r>
+            <a:endParaRPr lang="en-US" sz="1100" dirty="0"/>
+          </a:p>
+        </p:txBody>
+      </p:sp>
     </p:spTree>
     <p:extLst>
       <p:ext uri="{BB962C8B-B14F-4D97-AF65-F5344CB8AC3E}">
@@ -9664,7 +10199,7 @@
         <p:spPr>
           <a:xfrm>
             <a:off x="838200" y="1531044"/>
-            <a:ext cx="8373737" cy="4065215"/>
+            <a:ext cx="6796489" cy="3744615"/>
           </a:xfrm>
           <a:prstGeom prst="rect">
             <a:avLst/>
@@ -9689,13 +10224,13 @@
               </a:tabLst>
             </a:pPr>
             <a:r>
-              <a:rPr lang="en-GB" sz="2600" b="1" spc="-5" dirty="0">
+              <a:rPr lang="en-GB" sz="2400" b="1" spc="-5" dirty="0">
                 <a:cs typeface="Calibri"/>
               </a:rPr>
               <a:t>Moving size</a:t>
             </a:r>
             <a:r>
-              <a:rPr lang="en-GB" sz="2600" spc="-5" dirty="0">
+              <a:rPr lang="en-GB" sz="2400" spc="-5" dirty="0">
                 <a:cs typeface="Calibri"/>
               </a:rPr>
               <a:t>: Use Hoeffding bound to guarantee that the  best attribute is really the best:</a:t>
@@ -9718,43 +10253,43 @@
               </a:tabLst>
             </a:pPr>
             <a:r>
-              <a:rPr lang="en-GB" sz="2600" spc="-5" dirty="0">
+              <a:rPr lang="en-GB" sz="2400" spc="-5" dirty="0">
                 <a:cs typeface="Calibri"/>
               </a:rPr>
               <a:t>Let </a:t>
             </a:r>
             <a:r>
-              <a:rPr lang="en-GB" sz="2600" i="1" spc="-5" dirty="0">
+              <a:rPr lang="en-GB" sz="2400" i="1" spc="-5" dirty="0">
                 <a:cs typeface="Calibri"/>
               </a:rPr>
               <a:t>X</a:t>
             </a:r>
             <a:r>
-              <a:rPr lang="en-GB" sz="2600" i="1" spc="-5" baseline="-25000" dirty="0">
+              <a:rPr lang="en-GB" sz="2400" i="1" spc="-5" baseline="-25000" dirty="0">
                 <a:cs typeface="Calibri"/>
               </a:rPr>
               <a:t>1</a:t>
             </a:r>
             <a:r>
-              <a:rPr lang="en-GB" sz="2600" spc="-5" dirty="0">
+              <a:rPr lang="en-GB" sz="2400" spc="-5" dirty="0">
                 <a:cs typeface="Calibri"/>
               </a:rPr>
               <a:t> and </a:t>
             </a:r>
             <a:r>
-              <a:rPr lang="en-GB" sz="2600" i="1" spc="-5" dirty="0">
+              <a:rPr lang="en-GB" sz="2400" i="1" spc="-5" dirty="0">
                 <a:cs typeface="Calibri"/>
               </a:rPr>
               <a:t>X</a:t>
             </a:r>
             <a:r>
-              <a:rPr lang="en-GB" sz="2600" i="1" spc="-5" baseline="-25000" dirty="0">
+              <a:rPr lang="en-GB" sz="2400" i="1" spc="-5" baseline="-25000" dirty="0">
                 <a:cs typeface="Calibri"/>
               </a:rPr>
               <a:t>2</a:t>
             </a:r>
             <a:r>
-              <a:rPr lang="en-GB" sz="2600" spc="-5" dirty="0">
+              <a:rPr lang="en-GB" sz="2400" spc="-5" dirty="0">
                 <a:cs typeface="Calibri"/>
               </a:rPr>
               <a:t> be, respectively, the two most informative  attribute</a:t>
@@ -9777,29 +10312,17 @@
               </a:tabLst>
             </a:pPr>
             <a:r>
-              <a:rPr lang="en-GB" sz="2600" spc="-5" dirty="0">
+              <a:rPr lang="en-GB" sz="2400" spc="-5" dirty="0">
                 <a:cs typeface="Calibri"/>
               </a:rPr>
               <a:t>Split if: </a:t>
             </a:r>
-          </a:p>
-          <a:p>
-            <a:pPr marL="927100" lvl="1" indent="-457200">
-              <a:lnSpc>
-                <a:spcPct val="150000"/>
-              </a:lnSpc>
-              <a:spcBef>
-                <a:spcPts val="100"/>
-              </a:spcBef>
-              <a:buSzPct val="75000"/>
-              <a:buFont typeface="Wingdings" pitchFamily="2" charset="2"/>
-              <a:buChar char="Ø"/>
-              <a:tabLst>
-                <a:tab pos="354965" algn="l"/>
-                <a:tab pos="355600" algn="l"/>
-              </a:tabLst>
-            </a:pPr>
-            <a:endParaRPr lang="en-GB" sz="2600" spc="-5" dirty="0">
+            <a:br>
+              <a:rPr lang="en-GB" sz="2400" spc="-5" dirty="0">
+                <a:cs typeface="Calibri"/>
+              </a:rPr>
+            </a:br>
+            <a:endParaRPr lang="en-GB" sz="2400" spc="-5" dirty="0">
               <a:cs typeface="Calibri"/>
             </a:endParaRPr>
           </a:p>
@@ -9815,43 +10338,43 @@
               </a:tabLst>
             </a:pPr>
             <a:r>
-              <a:rPr lang="en-GB" sz="2600" spc="-5" dirty="0">
+              <a:rPr lang="en-GB" sz="2400" spc="-5" dirty="0">
                 <a:cs typeface="Calibri"/>
               </a:rPr>
               <a:t>where </a:t>
             </a:r>
             <a:r>
-              <a:rPr lang="en-GB" sz="2600" i="1" spc="-5" dirty="0">
+              <a:rPr lang="en-GB" sz="2400" i="1" spc="-5" dirty="0">
                 <a:cs typeface="Calibri"/>
               </a:rPr>
               <a:t>R</a:t>
             </a:r>
             <a:r>
-              <a:rPr lang="en-GB" sz="2600" spc="-5" dirty="0">
+              <a:rPr lang="en-GB" sz="2400" spc="-5" dirty="0">
                 <a:cs typeface="Calibri"/>
               </a:rPr>
               <a:t> is the </a:t>
             </a:r>
             <a:r>
-              <a:rPr lang="en-GB" sz="2600" i="1" spc="-5" dirty="0">
+              <a:rPr lang="en-GB" sz="2400" i="1" spc="-5" dirty="0">
                 <a:cs typeface="Calibri"/>
               </a:rPr>
               <a:t>H</a:t>
             </a:r>
             <a:r>
-              <a:rPr lang="en-GB" sz="2600" spc="-5" dirty="0">
+              <a:rPr lang="en-GB" sz="2400" spc="-5" dirty="0">
                 <a:cs typeface="Calibri"/>
               </a:rPr>
               <a:t> range, 𝛿 is the confidence bound and </a:t>
             </a:r>
             <a:r>
-              <a:rPr lang="en-GB" sz="2600" i="1" spc="-5" dirty="0">
+              <a:rPr lang="en-GB" sz="2400" i="1" spc="-5" dirty="0">
                 <a:cs typeface="Calibri"/>
               </a:rPr>
               <a:t>N</a:t>
             </a:r>
             <a:r>
-              <a:rPr lang="en-GB" sz="2600" spc="-5" dirty="0">
+              <a:rPr lang="en-GB" sz="2400" spc="-5" dirty="0">
                 <a:cs typeface="Calibri"/>
               </a:rPr>
               <a:t> is the number of instances seen by that node</a:t>
@@ -9859,244 +10382,8 @@
           </a:p>
         </p:txBody>
       </p:sp>
-      <p:grpSp>
-        <p:nvGrpSpPr>
-          <p:cNvPr id="36" name="Gruppo 35">
-            <a:extLst>
-              <a:ext uri="{FF2B5EF4-FFF2-40B4-BE49-F238E27FC236}">
-                <a16:creationId xmlns:a16="http://schemas.microsoft.com/office/drawing/2014/main" id="{EB322D20-176B-D818-A495-799775C6E4BE}"/>
-              </a:ext>
-            </a:extLst>
-          </p:cNvPr>
-          <p:cNvGrpSpPr/>
-          <p:nvPr/>
-        </p:nvGrpSpPr>
-        <p:grpSpPr>
-          <a:xfrm>
-            <a:off x="9293805" y="1225447"/>
-            <a:ext cx="2147192" cy="4101508"/>
-            <a:chOff x="9293805" y="1225447"/>
-            <a:chExt cx="2147192" cy="4101508"/>
-          </a:xfrm>
-        </p:grpSpPr>
-        <p:pic>
-          <p:nvPicPr>
-            <p:cNvPr id="30" name="object 42">
-              <a:extLst>
-                <a:ext uri="{FF2B5EF4-FFF2-40B4-BE49-F238E27FC236}">
-                  <a16:creationId xmlns:a16="http://schemas.microsoft.com/office/drawing/2014/main" id="{90C7E925-8538-499A-FFC6-12DD767E9794}"/>
-                </a:ext>
-              </a:extLst>
-            </p:cNvPr>
-            <p:cNvPicPr/>
-            <p:nvPr/>
-          </p:nvPicPr>
-          <p:blipFill>
-            <a:blip r:embed="rId3" cstate="print"/>
-            <a:stretch>
-              <a:fillRect/>
-            </a:stretch>
-          </p:blipFill>
-          <p:spPr>
-            <a:xfrm>
-              <a:off x="9882571" y="1802311"/>
-              <a:ext cx="908028" cy="231840"/>
-            </a:xfrm>
-            <a:prstGeom prst="rect">
-              <a:avLst/>
-            </a:prstGeom>
-          </p:spPr>
-        </p:pic>
-        <p:pic>
-          <p:nvPicPr>
-            <p:cNvPr id="31" name="Immagine 30">
-              <a:extLst>
-                <a:ext uri="{FF2B5EF4-FFF2-40B4-BE49-F238E27FC236}">
-                  <a16:creationId xmlns:a16="http://schemas.microsoft.com/office/drawing/2014/main" id="{85330359-A586-21C0-C40B-87A25885835B}"/>
-                </a:ext>
-              </a:extLst>
-            </p:cNvPr>
-            <p:cNvPicPr>
-              <a:picLocks noChangeAspect="1"/>
-            </p:cNvPicPr>
-            <p:nvPr/>
-          </p:nvPicPr>
-          <p:blipFill rotWithShape="1">
-            <a:blip r:embed="rId4">
-              <a:extLst>
-                <a:ext uri="{28A0092B-C50C-407E-A947-70E740481C1C}">
-                  <a14:useLocalDpi xmlns:a14="http://schemas.microsoft.com/office/drawing/2010/main" val="0"/>
-                </a:ext>
-              </a:extLst>
-            </a:blip>
-            <a:srcRect l="3152" t="13212" r="17606" b="22723"/>
-            <a:stretch/>
-          </p:blipFill>
-          <p:spPr>
-            <a:xfrm>
-              <a:off x="9293805" y="1225447"/>
-              <a:ext cx="1639190" cy="1788208"/>
-            </a:xfrm>
-            <a:prstGeom prst="rect">
-              <a:avLst/>
-            </a:prstGeom>
-          </p:spPr>
-        </p:pic>
-        <p:pic>
-          <p:nvPicPr>
-            <p:cNvPr id="32" name="Immagine 31">
-              <a:extLst>
-                <a:ext uri="{FF2B5EF4-FFF2-40B4-BE49-F238E27FC236}">
-                  <a16:creationId xmlns:a16="http://schemas.microsoft.com/office/drawing/2014/main" id="{AA8ADEBD-8FE7-DAAD-95F0-5283B3E6161F}"/>
-                </a:ext>
-              </a:extLst>
-            </p:cNvPr>
-            <p:cNvPicPr>
-              <a:picLocks noChangeAspect="1"/>
-            </p:cNvPicPr>
-            <p:nvPr/>
-          </p:nvPicPr>
-          <p:blipFill rotWithShape="1">
-            <a:blip r:embed="rId5">
-              <a:extLst>
-                <a:ext uri="{28A0092B-C50C-407E-A947-70E740481C1C}">
-                  <a14:useLocalDpi xmlns:a14="http://schemas.microsoft.com/office/drawing/2010/main" val="0"/>
-                </a:ext>
-              </a:extLst>
-            </a:blip>
-            <a:srcRect t="47773" b="-6557"/>
-            <a:stretch/>
-          </p:blipFill>
-          <p:spPr>
-            <a:xfrm>
-              <a:off x="9441780" y="3010994"/>
-              <a:ext cx="1999217" cy="2214028"/>
-            </a:xfrm>
-            <a:prstGeom prst="rect">
-              <a:avLst/>
-            </a:prstGeom>
-          </p:spPr>
-        </p:pic>
-        <p:pic>
-          <p:nvPicPr>
-            <p:cNvPr id="33" name="Elemento grafico 32" descr="Bicchiere di frappè con riempimento a tinta unita">
-              <a:extLst>
-                <a:ext uri="{FF2B5EF4-FFF2-40B4-BE49-F238E27FC236}">
-                  <a16:creationId xmlns:a16="http://schemas.microsoft.com/office/drawing/2014/main" id="{1398DEA4-1888-9A06-56D7-CE2713FCED1F}"/>
-                </a:ext>
-              </a:extLst>
-            </p:cNvPr>
-            <p:cNvPicPr>
-              <a:picLocks noChangeAspect="1"/>
-            </p:cNvPicPr>
-            <p:nvPr/>
-          </p:nvPicPr>
-          <p:blipFill>
-            <a:blip r:embed="rId6">
-              <a:extLst>
-                <a:ext uri="{28A0092B-C50C-407E-A947-70E740481C1C}">
-                  <a14:useLocalDpi xmlns:a14="http://schemas.microsoft.com/office/drawing/2010/main" val="0"/>
-                </a:ext>
-                <a:ext uri="{96DAC541-7B7A-43D3-8B79-37D633B846F1}">
-                  <asvg:svgBlip xmlns:asvg="http://schemas.microsoft.com/office/drawing/2016/SVG/main" r:embed="rId7"/>
-                </a:ext>
-              </a:extLst>
-            </a:blip>
-            <a:stretch>
-              <a:fillRect/>
-            </a:stretch>
-          </p:blipFill>
-          <p:spPr>
-            <a:xfrm>
-              <a:off x="9359531" y="3035672"/>
-              <a:ext cx="539757" cy="539757"/>
-            </a:xfrm>
-            <a:prstGeom prst="rect">
-              <a:avLst/>
-            </a:prstGeom>
-          </p:spPr>
-        </p:pic>
-        <p:pic>
-          <p:nvPicPr>
-            <p:cNvPr id="34" name="Elemento grafico 33" descr="Vino con riempimento a tinta unita">
-              <a:extLst>
-                <a:ext uri="{FF2B5EF4-FFF2-40B4-BE49-F238E27FC236}">
-                  <a16:creationId xmlns:a16="http://schemas.microsoft.com/office/drawing/2014/main" id="{10AE74FC-5397-7EB5-6180-9CE88F2757CD}"/>
-                </a:ext>
-              </a:extLst>
-            </p:cNvPr>
-            <p:cNvPicPr>
-              <a:picLocks noChangeAspect="1"/>
-            </p:cNvPicPr>
-            <p:nvPr/>
-          </p:nvPicPr>
-          <p:blipFill>
-            <a:blip r:embed="rId8">
-              <a:extLst>
-                <a:ext uri="{28A0092B-C50C-407E-A947-70E740481C1C}">
-                  <a14:useLocalDpi xmlns:a14="http://schemas.microsoft.com/office/drawing/2010/main" val="0"/>
-                </a:ext>
-                <a:ext uri="{96DAC541-7B7A-43D3-8B79-37D633B846F1}">
-                  <asvg:svgBlip xmlns:asvg="http://schemas.microsoft.com/office/drawing/2016/SVG/main" r:embed="rId9"/>
-                </a:ext>
-              </a:extLst>
-            </a:blip>
-            <a:stretch>
-              <a:fillRect/>
-            </a:stretch>
-          </p:blipFill>
-          <p:spPr>
-            <a:xfrm>
-              <a:off x="10014868" y="4743027"/>
-              <a:ext cx="540000" cy="540000"/>
-            </a:xfrm>
-            <a:prstGeom prst="rect">
-              <a:avLst/>
-            </a:prstGeom>
-          </p:spPr>
-        </p:pic>
-        <p:pic>
-          <p:nvPicPr>
-            <p:cNvPr id="35" name="Elemento grafico 34" descr="Martini con riempimento a tinta unita">
-              <a:extLst>
-                <a:ext uri="{FF2B5EF4-FFF2-40B4-BE49-F238E27FC236}">
-                  <a16:creationId xmlns:a16="http://schemas.microsoft.com/office/drawing/2014/main" id="{AD795EB7-4F98-FB31-CE1B-860A71EF3D3C}"/>
-                </a:ext>
-              </a:extLst>
-            </p:cNvPr>
-            <p:cNvPicPr>
-              <a:picLocks noChangeAspect="1"/>
-            </p:cNvPicPr>
-            <p:nvPr/>
-          </p:nvPicPr>
-          <p:blipFill>
-            <a:blip r:embed="rId10">
-              <a:extLst>
-                <a:ext uri="{28A0092B-C50C-407E-A947-70E740481C1C}">
-                  <a14:useLocalDpi xmlns:a14="http://schemas.microsoft.com/office/drawing/2010/main" val="0"/>
-                </a:ext>
-                <a:ext uri="{96DAC541-7B7A-43D3-8B79-37D633B846F1}">
-                  <asvg:svgBlip xmlns:asvg="http://schemas.microsoft.com/office/drawing/2016/SVG/main" r:embed="rId11"/>
-                </a:ext>
-              </a:extLst>
-            </a:blip>
-            <a:stretch>
-              <a:fillRect/>
-            </a:stretch>
-          </p:blipFill>
-          <p:spPr>
-            <a:xfrm>
-              <a:off x="10717403" y="4750955"/>
-              <a:ext cx="576000" cy="576000"/>
-            </a:xfrm>
-            <a:prstGeom prst="rect">
-              <a:avLst/>
-            </a:prstGeom>
-          </p:spPr>
-        </p:pic>
-      </p:grpSp>
-      <mc:AlternateContent xmlns:mc="http://schemas.openxmlformats.org/markup-compatibility/2006" xmlns:a14="http://schemas.microsoft.com/office/drawing/2010/main">
-        <mc:Choice Requires="a14">
+      <mc:AlternateContent xmlns:mc="http://schemas.openxmlformats.org/markup-compatibility/2006">
+        <mc:Choice xmlns:a14="http://schemas.microsoft.com/office/drawing/2010/main" Requires="a14">
           <p:sp>
             <p:nvSpPr>
               <p:cNvPr id="7" name="CasellaDiTesto 6">
@@ -10111,8 +10398,8 @@
             </p:nvSpPr>
             <p:spPr>
               <a:xfrm>
-                <a:off x="2787331" y="3161717"/>
-                <a:ext cx="5441490" cy="1182183"/>
+                <a:off x="2686704" y="3163593"/>
+                <a:ext cx="4186915" cy="909352"/>
               </a:xfrm>
               <a:prstGeom prst="rect">
                 <a:avLst/>
@@ -10133,7 +10420,7 @@
                     </m:oMathParaPr>
                     <m:oMath xmlns:m="http://schemas.openxmlformats.org/officeDocument/2006/math">
                       <m:r>
-                        <a:rPr lang="en-US" sz="2600" b="0" i="1" smtClean="0">
+                        <a:rPr lang="en-US" sz="2000" b="0" i="1" smtClean="0">
                           <a:latin typeface="Cambria Math" panose="02040503050406030204" pitchFamily="18" charset="0"/>
                         </a:rPr>
                         <m:t>𝐻</m:t>
@@ -10141,7 +10428,7 @@
                       <m:d>
                         <m:dPr>
                           <m:ctrlPr>
-                            <a:rPr lang="en-US" sz="2600" b="0" i="1" smtClean="0">
+                            <a:rPr lang="en-US" sz="2000" b="0" i="1" smtClean="0">
                               <a:latin typeface="Cambria Math" panose="02040503050406030204" pitchFamily="18" charset="0"/>
                             </a:rPr>
                           </m:ctrlPr>
@@ -10150,14 +10437,14 @@
                           <m:sSub>
                             <m:sSubPr>
                               <m:ctrlPr>
-                                <a:rPr lang="en-US" sz="2600" b="0" i="1" smtClean="0">
+                                <a:rPr lang="en-US" sz="2000" b="0" i="1" smtClean="0">
                                   <a:latin typeface="Cambria Math" panose="02040503050406030204" pitchFamily="18" charset="0"/>
                                 </a:rPr>
                               </m:ctrlPr>
                             </m:sSubPr>
                             <m:e>
                               <m:r>
-                                <a:rPr lang="en-US" sz="2600" b="0" i="1" smtClean="0">
+                                <a:rPr lang="en-US" sz="2000" b="0" i="1" smtClean="0">
                                   <a:latin typeface="Cambria Math" panose="02040503050406030204" pitchFamily="18" charset="0"/>
                                 </a:rPr>
                                 <m:t>𝑥</m:t>
@@ -10165,7 +10452,7 @@
                             </m:e>
                             <m:sub>
                               <m:r>
-                                <a:rPr lang="en-US" sz="2600" b="0" i="1" smtClean="0">
+                                <a:rPr lang="en-US" sz="2000" b="0" i="1" smtClean="0">
                                   <a:latin typeface="Cambria Math" panose="02040503050406030204" pitchFamily="18" charset="0"/>
                                 </a:rPr>
                                 <m:t>1</m:t>
@@ -10175,13 +10462,13 @@
                         </m:e>
                       </m:d>
                       <m:r>
-                        <a:rPr lang="en-US" sz="2600" b="0" i="1" smtClean="0">
+                        <a:rPr lang="en-US" sz="2000" b="0" i="1" smtClean="0">
                           <a:latin typeface="Cambria Math" panose="02040503050406030204" pitchFamily="18" charset="0"/>
                         </a:rPr>
                         <m:t>−</m:t>
                       </m:r>
                       <m:r>
-                        <a:rPr lang="en-US" sz="2600" b="0" i="1" smtClean="0">
+                        <a:rPr lang="en-US" sz="2000" b="0" i="1" smtClean="0">
                           <a:latin typeface="Cambria Math" panose="02040503050406030204" pitchFamily="18" charset="0"/>
                         </a:rPr>
                         <m:t>𝐻</m:t>
@@ -10189,7 +10476,7 @@
                       <m:d>
                         <m:dPr>
                           <m:ctrlPr>
-                            <a:rPr lang="en-US" sz="2600" b="0" i="1" smtClean="0">
+                            <a:rPr lang="en-US" sz="2000" b="0" i="1" smtClean="0">
                               <a:latin typeface="Cambria Math" panose="02040503050406030204" pitchFamily="18" charset="0"/>
                             </a:rPr>
                           </m:ctrlPr>
@@ -10198,14 +10485,14 @@
                           <m:sSub>
                             <m:sSubPr>
                               <m:ctrlPr>
-                                <a:rPr lang="en-US" sz="2600" b="0" i="1" smtClean="0">
+                                <a:rPr lang="en-US" sz="2000" b="0" i="1" smtClean="0">
                                   <a:latin typeface="Cambria Math" panose="02040503050406030204" pitchFamily="18" charset="0"/>
                                 </a:rPr>
                               </m:ctrlPr>
                             </m:sSubPr>
                             <m:e>
                               <m:r>
-                                <a:rPr lang="en-US" sz="2600" b="0" i="1" smtClean="0">
+                                <a:rPr lang="en-US" sz="2000" b="0" i="1" smtClean="0">
                                   <a:latin typeface="Cambria Math" panose="02040503050406030204" pitchFamily="18" charset="0"/>
                                 </a:rPr>
                                 <m:t>𝑥</m:t>
@@ -10213,7 +10500,7 @@
                             </m:e>
                             <m:sub>
                               <m:r>
-                                <a:rPr lang="en-US" sz="2600" b="0" i="1" smtClean="0">
+                                <a:rPr lang="en-US" sz="2000" b="0" i="1" smtClean="0">
                                   <a:latin typeface="Cambria Math" panose="02040503050406030204" pitchFamily="18" charset="0"/>
                                 </a:rPr>
                                 <m:t>2</m:t>
@@ -10223,20 +10510,20 @@
                         </m:e>
                       </m:d>
                       <m:r>
-                        <a:rPr lang="en-US" sz="2600" b="0" i="1" smtClean="0">
+                        <a:rPr lang="en-US" sz="2000" b="0" i="1" smtClean="0">
                           <a:latin typeface="Cambria Math" panose="02040503050406030204" pitchFamily="18" charset="0"/>
                         </a:rPr>
                         <m:t>&gt; </m:t>
                       </m:r>
                       <m:r>
-                        <a:rPr lang="en-US" sz="2600" b="0" i="1" smtClean="0">
+                        <a:rPr lang="en-US" sz="2000" b="0" i="1" smtClean="0">
                           <a:latin typeface="Cambria Math" panose="02040503050406030204" pitchFamily="18" charset="0"/>
                           <a:ea typeface="Cambria Math" panose="02040503050406030204" pitchFamily="18" charset="0"/>
                         </a:rPr>
                         <m:t>𝜀</m:t>
                       </m:r>
                       <m:r>
-                        <a:rPr lang="en-US" sz="2600" b="0" i="1" smtClean="0">
+                        <a:rPr lang="en-US" sz="2000" b="0" i="1" smtClean="0">
                           <a:latin typeface="Cambria Math" panose="02040503050406030204" pitchFamily="18" charset="0"/>
                           <a:ea typeface="Cambria Math" panose="02040503050406030204" pitchFamily="18" charset="0"/>
                         </a:rPr>
@@ -10246,7 +10533,7 @@
                         <m:radPr>
                           <m:degHide m:val="on"/>
                           <m:ctrlPr>
-                            <a:rPr lang="en-US" sz="2600" b="0" i="1" smtClean="0">
+                            <a:rPr lang="en-US" sz="2000" b="0" i="1" smtClean="0">
                               <a:latin typeface="Cambria Math" panose="02040503050406030204" pitchFamily="18" charset="0"/>
                               <a:ea typeface="Cambria Math" panose="02040503050406030204" pitchFamily="18" charset="0"/>
                             </a:rPr>
@@ -10257,7 +10544,7 @@
                           <m:f>
                             <m:fPr>
                               <m:ctrlPr>
-                                <a:rPr lang="en-US" sz="2600" b="0" i="1" smtClean="0">
+                                <a:rPr lang="en-US" sz="2000" b="0" i="1" smtClean="0">
                                   <a:latin typeface="Cambria Math" panose="02040503050406030204" pitchFamily="18" charset="0"/>
                                   <a:ea typeface="Cambria Math" panose="02040503050406030204" pitchFamily="18" charset="0"/>
                                 </a:rPr>
@@ -10267,7 +10554,7 @@
                               <m:sSup>
                                 <m:sSupPr>
                                   <m:ctrlPr>
-                                    <a:rPr lang="en-US" sz="2600" b="0" i="1" smtClean="0">
+                                    <a:rPr lang="en-US" sz="2000" b="0" i="1" smtClean="0">
                                       <a:latin typeface="Cambria Math" panose="02040503050406030204" pitchFamily="18" charset="0"/>
                                       <a:ea typeface="Cambria Math" panose="02040503050406030204" pitchFamily="18" charset="0"/>
                                     </a:rPr>
@@ -10275,7 +10562,7 @@
                                 </m:sSupPr>
                                 <m:e>
                                   <m:r>
-                                    <a:rPr lang="en-US" sz="2600" b="0" i="1" smtClean="0">
+                                    <a:rPr lang="en-US" sz="2000" b="0" i="1" smtClean="0">
                                       <a:latin typeface="Cambria Math" panose="02040503050406030204" pitchFamily="18" charset="0"/>
                                       <a:ea typeface="Cambria Math" panose="02040503050406030204" pitchFamily="18" charset="0"/>
                                     </a:rPr>
@@ -10284,7 +10571,7 @@
                                 </m:e>
                                 <m:sup>
                                   <m:r>
-                                    <a:rPr lang="en-US" sz="2600" b="0" i="1" smtClean="0">
+                                    <a:rPr lang="en-US" sz="2000" b="0" i="1" smtClean="0">
                                       <a:latin typeface="Cambria Math" panose="02040503050406030204" pitchFamily="18" charset="0"/>
                                       <a:ea typeface="Cambria Math" panose="02040503050406030204" pitchFamily="18" charset="0"/>
                                     </a:rPr>
@@ -10293,7 +10580,7 @@
                                 </m:sup>
                               </m:sSup>
                               <m:r>
-                                <a:rPr lang="en-US" sz="2600" b="0" i="1" smtClean="0">
+                                <a:rPr lang="en-US" sz="2000" b="0" i="1" smtClean="0">
                                   <a:latin typeface="Cambria Math" panose="02040503050406030204" pitchFamily="18" charset="0"/>
                                   <a:ea typeface="Cambria Math" panose="02040503050406030204" pitchFamily="18" charset="0"/>
                                 </a:rPr>
@@ -10302,7 +10589,7 @@
                               <m:func>
                                 <m:funcPr>
                                   <m:ctrlPr>
-                                    <a:rPr lang="en-US" sz="2600" b="0" i="1" smtClean="0">
+                                    <a:rPr lang="en-US" sz="2000" b="0" i="1" smtClean="0">
                                       <a:latin typeface="Cambria Math" panose="02040503050406030204" pitchFamily="18" charset="0"/>
                                       <a:ea typeface="Cambria Math" panose="02040503050406030204" pitchFamily="18" charset="0"/>
                                     </a:rPr>
@@ -10313,7 +10600,7 @@
                                     <m:rPr>
                                       <m:sty m:val="p"/>
                                     </m:rPr>
-                                    <a:rPr lang="en-US" sz="2600" b="0" i="0" smtClean="0">
+                                    <a:rPr lang="en-US" sz="2000" b="0" i="0" smtClean="0">
                                       <a:latin typeface="Cambria Math" panose="02040503050406030204" pitchFamily="18" charset="0"/>
                                       <a:ea typeface="Cambria Math" panose="02040503050406030204" pitchFamily="18" charset="0"/>
                                     </a:rPr>
@@ -10322,7 +10609,7 @@
                                 </m:fName>
                                 <m:e>
                                   <m:r>
-                                    <a:rPr lang="en-US" sz="2600" b="0" i="1" smtClean="0">
+                                    <a:rPr lang="en-US" sz="2000" b="0" i="1" smtClean="0">
                                       <a:latin typeface="Cambria Math" panose="02040503050406030204" pitchFamily="18" charset="0"/>
                                       <a:ea typeface="Cambria Math" panose="02040503050406030204" pitchFamily="18" charset="0"/>
                                     </a:rPr>
@@ -10332,7 +10619,7 @@
                                     <m:fPr>
                                       <m:type m:val="skw"/>
                                       <m:ctrlPr>
-                                        <a:rPr lang="en-US" sz="2600" b="0" i="1" smtClean="0">
+                                        <a:rPr lang="en-US" sz="2000" b="0" i="1" smtClean="0">
                                           <a:latin typeface="Cambria Math" panose="02040503050406030204" pitchFamily="18" charset="0"/>
                                           <a:ea typeface="Cambria Math" panose="02040503050406030204" pitchFamily="18" charset="0"/>
                                         </a:rPr>
@@ -10340,7 +10627,7 @@
                                     </m:fPr>
                                     <m:num>
                                       <m:r>
-                                        <a:rPr lang="en-US" sz="2600" b="0" i="1" smtClean="0">
+                                        <a:rPr lang="en-US" sz="2000" b="0" i="1" smtClean="0">
                                           <a:latin typeface="Cambria Math" panose="02040503050406030204" pitchFamily="18" charset="0"/>
                                           <a:ea typeface="Cambria Math" panose="02040503050406030204" pitchFamily="18" charset="0"/>
                                         </a:rPr>
@@ -10349,7 +10636,7 @@
                                     </m:num>
                                     <m:den>
                                       <m:r>
-                                        <a:rPr lang="en-US" sz="2600" b="0" i="1" smtClean="0">
+                                        <a:rPr lang="en-US" sz="2000" b="0" i="1" smtClean="0">
                                           <a:latin typeface="Cambria Math" panose="02040503050406030204" pitchFamily="18" charset="0"/>
                                           <a:ea typeface="Cambria Math" panose="02040503050406030204" pitchFamily="18" charset="0"/>
                                         </a:rPr>
@@ -10358,7 +10645,7 @@
                                     </m:den>
                                   </m:f>
                                   <m:r>
-                                    <a:rPr lang="en-US" sz="2600" b="0" i="1" smtClean="0">
+                                    <a:rPr lang="en-US" sz="2000" b="0" i="1" smtClean="0">
                                       <a:latin typeface="Cambria Math" panose="02040503050406030204" pitchFamily="18" charset="0"/>
                                       <a:ea typeface="Cambria Math" panose="02040503050406030204" pitchFamily="18" charset="0"/>
                                     </a:rPr>
@@ -10369,14 +10656,14 @@
                             </m:num>
                             <m:den>
                               <m:r>
-                                <a:rPr lang="en-US" sz="2600" b="0" i="1" smtClean="0">
+                                <a:rPr lang="en-US" sz="2000" b="0" i="1" smtClean="0">
                                   <a:latin typeface="Cambria Math" panose="02040503050406030204" pitchFamily="18" charset="0"/>
                                   <a:ea typeface="Cambria Math" panose="02040503050406030204" pitchFamily="18" charset="0"/>
                                 </a:rPr>
                                 <m:t>2</m:t>
                               </m:r>
                               <m:r>
-                                <a:rPr lang="en-US" sz="2600" b="0" i="1" smtClean="0">
+                                <a:rPr lang="en-US" sz="2000" b="0" i="1" smtClean="0">
                                   <a:latin typeface="Cambria Math" panose="02040503050406030204" pitchFamily="18" charset="0"/>
                                   <a:ea typeface="Cambria Math" panose="02040503050406030204" pitchFamily="18" charset="0"/>
                                 </a:rPr>
@@ -10389,12 +10676,12 @@
                     </m:oMath>
                   </m:oMathPara>
                 </a14:m>
-                <a:endParaRPr lang="it-IT" sz="2600" dirty="0"/>
+                <a:endParaRPr lang="it-IT" sz="2800" dirty="0"/>
               </a:p>
             </p:txBody>
           </p:sp>
         </mc:Choice>
-        <mc:Fallback xmlns="">
+        <mc:Fallback>
           <p:sp>
             <p:nvSpPr>
               <p:cNvPr id="7" name="CasellaDiTesto 6">
@@ -10411,16 +10698,16 @@
             </p:nvSpPr>
             <p:spPr>
               <a:xfrm>
-                <a:off x="2787331" y="3161717"/>
-                <a:ext cx="5441490" cy="1182183"/>
+                <a:off x="2686704" y="3163593"/>
+                <a:ext cx="4186915" cy="909352"/>
               </a:xfrm>
               <a:prstGeom prst="rect">
                 <a:avLst/>
               </a:prstGeom>
               <a:blipFill>
-                <a:blip r:embed="rId12"/>
+                <a:blip r:embed="rId3"/>
                 <a:stretch>
-                  <a:fillRect l="-932" t="-55319" r="-3730" b="-62766"/>
+                  <a:fillRect l="-906" t="-56944" r="-3927" b="-68056"/>
                 </a:stretch>
               </a:blipFill>
             </p:spPr>
@@ -10439,6 +10726,427 @@
           </p:sp>
         </mc:Fallback>
       </mc:AlternateContent>
+      <p:grpSp>
+        <p:nvGrpSpPr>
+          <p:cNvPr id="2" name="Gruppo 1">
+            <a:extLst>
+              <a:ext uri="{FF2B5EF4-FFF2-40B4-BE49-F238E27FC236}">
+                <a16:creationId xmlns:a16="http://schemas.microsoft.com/office/drawing/2014/main" id="{D3F6F03B-D335-82D3-DE13-6C28A553365B}"/>
+              </a:ext>
+            </a:extLst>
+          </p:cNvPr>
+          <p:cNvGrpSpPr/>
+          <p:nvPr/>
+        </p:nvGrpSpPr>
+        <p:grpSpPr>
+          <a:xfrm>
+            <a:off x="7788924" y="2161718"/>
+            <a:ext cx="4416989" cy="2891069"/>
+            <a:chOff x="2944793" y="3791122"/>
+            <a:chExt cx="3428513" cy="2252051"/>
+          </a:xfrm>
+        </p:grpSpPr>
+        <p:pic>
+          <p:nvPicPr>
+            <p:cNvPr id="6" name="Picture 6" descr="Groot's Evolution in the MCU (2014-2023) Guardians of the Galaxy - YouTube">
+              <a:extLst>
+                <a:ext uri="{FF2B5EF4-FFF2-40B4-BE49-F238E27FC236}">
+                  <a16:creationId xmlns:a16="http://schemas.microsoft.com/office/drawing/2014/main" id="{8EB4296D-1EC1-7E59-FA7C-A6290DD10FF0}"/>
+                </a:ext>
+              </a:extLst>
+            </p:cNvPr>
+            <p:cNvPicPr>
+              <a:picLocks noChangeAspect="1" noChangeArrowheads="1"/>
+            </p:cNvPicPr>
+            <p:nvPr/>
+          </p:nvPicPr>
+          <p:blipFill rotWithShape="1">
+            <a:blip r:embed="rId4">
+              <a:extLst>
+                <a:ext uri="{28A0092B-C50C-407E-A947-70E740481C1C}">
+                  <a14:useLocalDpi xmlns:a14="http://schemas.microsoft.com/office/drawing/2010/main" val="0"/>
+                </a:ext>
+              </a:extLst>
+            </a:blip>
+            <a:srcRect l="19924" r="18450"/>
+            <a:stretch/>
+          </p:blipFill>
+          <p:spPr bwMode="auto">
+            <a:xfrm>
+              <a:off x="2944793" y="3802140"/>
+              <a:ext cx="2386357" cy="2178160"/>
+            </a:xfrm>
+            <a:prstGeom prst="rect">
+              <a:avLst/>
+            </a:prstGeom>
+            <a:noFill/>
+            <a:extLst>
+              <a:ext uri="{909E8E84-426E-40DD-AFC4-6F175D3DCCD1}">
+                <a14:hiddenFill xmlns:a14="http://schemas.microsoft.com/office/drawing/2010/main">
+                  <a:solidFill>
+                    <a:srgbClr val="FFFFFF"/>
+                  </a:solidFill>
+                </a14:hiddenFill>
+              </a:ext>
+            </a:extLst>
+          </p:spPr>
+        </p:pic>
+        <p:pic>
+          <p:nvPicPr>
+            <p:cNvPr id="8" name="Picture 6" descr="Groot's Evolution in the MCU (2014-2023) Guardians of the Galaxy - YouTube">
+              <a:extLst>
+                <a:ext uri="{FF2B5EF4-FFF2-40B4-BE49-F238E27FC236}">
+                  <a16:creationId xmlns:a16="http://schemas.microsoft.com/office/drawing/2014/main" id="{C2CA1A39-56DA-6ECA-2665-F782A1ED3CC1}"/>
+                </a:ext>
+              </a:extLst>
+            </p:cNvPr>
+            <p:cNvPicPr>
+              <a:picLocks noChangeAspect="1" noChangeArrowheads="1"/>
+            </p:cNvPicPr>
+            <p:nvPr/>
+          </p:nvPicPr>
+          <p:blipFill rotWithShape="1">
+            <a:blip r:embed="rId4">
+              <a:extLst>
+                <a:ext uri="{28A0092B-C50C-407E-A947-70E740481C1C}">
+                  <a14:useLocalDpi xmlns:a14="http://schemas.microsoft.com/office/drawing/2010/main" val="0"/>
+                </a:ext>
+              </a:extLst>
+            </a:blip>
+            <a:srcRect l="-133" r="73220"/>
+            <a:stretch/>
+          </p:blipFill>
+          <p:spPr bwMode="auto">
+            <a:xfrm>
+              <a:off x="5331150" y="3802140"/>
+              <a:ext cx="1042156" cy="2178160"/>
+            </a:xfrm>
+            <a:prstGeom prst="rect">
+              <a:avLst/>
+            </a:prstGeom>
+            <a:noFill/>
+            <a:extLst>
+              <a:ext uri="{909E8E84-426E-40DD-AFC4-6F175D3DCCD1}">
+                <a14:hiddenFill xmlns:a14="http://schemas.microsoft.com/office/drawing/2010/main">
+                  <a:solidFill>
+                    <a:srgbClr val="FFFFFF"/>
+                  </a:solidFill>
+                </a14:hiddenFill>
+              </a:ext>
+            </a:extLst>
+          </p:spPr>
+        </p:pic>
+        <p:sp>
+          <p:nvSpPr>
+            <p:cNvPr id="9" name="Freeform 7">
+              <a:extLst>
+                <a:ext uri="{FF2B5EF4-FFF2-40B4-BE49-F238E27FC236}">
+                  <a16:creationId xmlns:a16="http://schemas.microsoft.com/office/drawing/2014/main" id="{6BD07AD8-3B83-4E27-823A-E000560A23A6}"/>
+                </a:ext>
+              </a:extLst>
+            </p:cNvPr>
+            <p:cNvSpPr/>
+            <p:nvPr/>
+          </p:nvSpPr>
+          <p:spPr>
+            <a:xfrm>
+              <a:off x="6041620" y="3791122"/>
+              <a:ext cx="331686" cy="2252051"/>
+            </a:xfrm>
+            <a:custGeom>
+              <a:avLst/>
+              <a:gdLst>
+                <a:gd name="connsiteX0" fmla="*/ 0 w 545006"/>
+                <a:gd name="connsiteY0" fmla="*/ 0 h 3796880"/>
+                <a:gd name="connsiteX1" fmla="*/ 0 w 545006"/>
+                <a:gd name="connsiteY1" fmla="*/ 199836 h 3796880"/>
+                <a:gd name="connsiteX2" fmla="*/ 78723 w 545006"/>
+                <a:gd name="connsiteY2" fmla="*/ 145335 h 3796880"/>
+                <a:gd name="connsiteX3" fmla="*/ 133224 w 545006"/>
+                <a:gd name="connsiteY3" fmla="*/ 145335 h 3796880"/>
+                <a:gd name="connsiteX4" fmla="*/ 127168 w 545006"/>
+                <a:gd name="connsiteY4" fmla="*/ 218003 h 3796880"/>
+                <a:gd name="connsiteX5" fmla="*/ 248281 w 545006"/>
+                <a:gd name="connsiteY5" fmla="*/ 139280 h 3796880"/>
+                <a:gd name="connsiteX6" fmla="*/ 351226 w 545006"/>
+                <a:gd name="connsiteY6" fmla="*/ 139280 h 3796880"/>
+                <a:gd name="connsiteX7" fmla="*/ 375449 w 545006"/>
+                <a:gd name="connsiteY7" fmla="*/ 187725 h 3796880"/>
+                <a:gd name="connsiteX8" fmla="*/ 351226 w 545006"/>
+                <a:gd name="connsiteY8" fmla="*/ 327004 h 3796880"/>
+                <a:gd name="connsiteX9" fmla="*/ 236169 w 545006"/>
+                <a:gd name="connsiteY9" fmla="*/ 466284 h 3796880"/>
+                <a:gd name="connsiteX10" fmla="*/ 236169 w 545006"/>
+                <a:gd name="connsiteY10" fmla="*/ 466284 h 3796880"/>
+                <a:gd name="connsiteX11" fmla="*/ 351226 w 545006"/>
+                <a:gd name="connsiteY11" fmla="*/ 417839 h 3796880"/>
+                <a:gd name="connsiteX12" fmla="*/ 375449 w 545006"/>
+                <a:gd name="connsiteY12" fmla="*/ 448117 h 3796880"/>
+                <a:gd name="connsiteX13" fmla="*/ 375449 w 545006"/>
+                <a:gd name="connsiteY13" fmla="*/ 448117 h 3796880"/>
+                <a:gd name="connsiteX14" fmla="*/ 442061 w 545006"/>
+                <a:gd name="connsiteY14" fmla="*/ 399672 h 3796880"/>
+                <a:gd name="connsiteX15" fmla="*/ 454172 w 545006"/>
+                <a:gd name="connsiteY15" fmla="*/ 532896 h 3796880"/>
+                <a:gd name="connsiteX16" fmla="*/ 472339 w 545006"/>
+                <a:gd name="connsiteY16" fmla="*/ 551062 h 3796880"/>
+                <a:gd name="connsiteX17" fmla="*/ 381504 w 545006"/>
+                <a:gd name="connsiteY17" fmla="*/ 629786 h 3796880"/>
+                <a:gd name="connsiteX18" fmla="*/ 381504 w 545006"/>
+                <a:gd name="connsiteY18" fmla="*/ 684286 h 3796880"/>
+                <a:gd name="connsiteX19" fmla="*/ 169557 w 545006"/>
+                <a:gd name="connsiteY19" fmla="*/ 805399 h 3796880"/>
+                <a:gd name="connsiteX20" fmla="*/ 12111 w 545006"/>
+                <a:gd name="connsiteY20" fmla="*/ 884122 h 3796880"/>
+                <a:gd name="connsiteX21" fmla="*/ 6055 w 545006"/>
+                <a:gd name="connsiteY21" fmla="*/ 3796880 h 3796880"/>
+                <a:gd name="connsiteX22" fmla="*/ 545006 w 545006"/>
+                <a:gd name="connsiteY22" fmla="*/ 3778713 h 3796880"/>
+                <a:gd name="connsiteX23" fmla="*/ 545006 w 545006"/>
+                <a:gd name="connsiteY23" fmla="*/ 12111 h 3796880"/>
+                <a:gd name="connsiteX24" fmla="*/ 0 w 545006"/>
+                <a:gd name="connsiteY24" fmla="*/ 0 h 3796880"/>
+              </a:gdLst>
+              <a:ahLst/>
+              <a:cxnLst>
+                <a:cxn ang="0">
+                  <a:pos x="connsiteX0" y="connsiteY0"/>
+                </a:cxn>
+                <a:cxn ang="0">
+                  <a:pos x="connsiteX1" y="connsiteY1"/>
+                </a:cxn>
+                <a:cxn ang="0">
+                  <a:pos x="connsiteX2" y="connsiteY2"/>
+                </a:cxn>
+                <a:cxn ang="0">
+                  <a:pos x="connsiteX3" y="connsiteY3"/>
+                </a:cxn>
+                <a:cxn ang="0">
+                  <a:pos x="connsiteX4" y="connsiteY4"/>
+                </a:cxn>
+                <a:cxn ang="0">
+                  <a:pos x="connsiteX5" y="connsiteY5"/>
+                </a:cxn>
+                <a:cxn ang="0">
+                  <a:pos x="connsiteX6" y="connsiteY6"/>
+                </a:cxn>
+                <a:cxn ang="0">
+                  <a:pos x="connsiteX7" y="connsiteY7"/>
+                </a:cxn>
+                <a:cxn ang="0">
+                  <a:pos x="connsiteX8" y="connsiteY8"/>
+                </a:cxn>
+                <a:cxn ang="0">
+                  <a:pos x="connsiteX9" y="connsiteY9"/>
+                </a:cxn>
+                <a:cxn ang="0">
+                  <a:pos x="connsiteX10" y="connsiteY10"/>
+                </a:cxn>
+                <a:cxn ang="0">
+                  <a:pos x="connsiteX11" y="connsiteY11"/>
+                </a:cxn>
+                <a:cxn ang="0">
+                  <a:pos x="connsiteX12" y="connsiteY12"/>
+                </a:cxn>
+                <a:cxn ang="0">
+                  <a:pos x="connsiteX13" y="connsiteY13"/>
+                </a:cxn>
+                <a:cxn ang="0">
+                  <a:pos x="connsiteX14" y="connsiteY14"/>
+                </a:cxn>
+                <a:cxn ang="0">
+                  <a:pos x="connsiteX15" y="connsiteY15"/>
+                </a:cxn>
+                <a:cxn ang="0">
+                  <a:pos x="connsiteX16" y="connsiteY16"/>
+                </a:cxn>
+                <a:cxn ang="0">
+                  <a:pos x="connsiteX17" y="connsiteY17"/>
+                </a:cxn>
+                <a:cxn ang="0">
+                  <a:pos x="connsiteX18" y="connsiteY18"/>
+                </a:cxn>
+                <a:cxn ang="0">
+                  <a:pos x="connsiteX19" y="connsiteY19"/>
+                </a:cxn>
+                <a:cxn ang="0">
+                  <a:pos x="connsiteX20" y="connsiteY20"/>
+                </a:cxn>
+                <a:cxn ang="0">
+                  <a:pos x="connsiteX21" y="connsiteY21"/>
+                </a:cxn>
+                <a:cxn ang="0">
+                  <a:pos x="connsiteX22" y="connsiteY22"/>
+                </a:cxn>
+                <a:cxn ang="0">
+                  <a:pos x="connsiteX23" y="connsiteY23"/>
+                </a:cxn>
+                <a:cxn ang="0">
+                  <a:pos x="connsiteX24" y="connsiteY24"/>
+                </a:cxn>
+              </a:cxnLst>
+              <a:rect l="l" t="t" r="r" b="b"/>
+              <a:pathLst>
+                <a:path w="545006" h="3796880">
+                  <a:moveTo>
+                    <a:pt x="0" y="0"/>
+                  </a:moveTo>
+                  <a:lnTo>
+                    <a:pt x="0" y="199836"/>
+                  </a:lnTo>
+                  <a:lnTo>
+                    <a:pt x="78723" y="145335"/>
+                  </a:lnTo>
+                  <a:lnTo>
+                    <a:pt x="133224" y="145335"/>
+                  </a:lnTo>
+                  <a:lnTo>
+                    <a:pt x="127168" y="218003"/>
+                  </a:lnTo>
+                  <a:lnTo>
+                    <a:pt x="248281" y="139280"/>
+                  </a:lnTo>
+                  <a:lnTo>
+                    <a:pt x="351226" y="139280"/>
+                  </a:lnTo>
+                  <a:lnTo>
+                    <a:pt x="375449" y="187725"/>
+                  </a:lnTo>
+                  <a:lnTo>
+                    <a:pt x="351226" y="327004"/>
+                  </a:lnTo>
+                  <a:lnTo>
+                    <a:pt x="236169" y="466284"/>
+                  </a:lnTo>
+                  <a:lnTo>
+                    <a:pt x="236169" y="466284"/>
+                  </a:lnTo>
+                  <a:lnTo>
+                    <a:pt x="351226" y="417839"/>
+                  </a:lnTo>
+                  <a:lnTo>
+                    <a:pt x="375449" y="448117"/>
+                  </a:lnTo>
+                  <a:lnTo>
+                    <a:pt x="375449" y="448117"/>
+                  </a:lnTo>
+                  <a:lnTo>
+                    <a:pt x="442061" y="399672"/>
+                  </a:lnTo>
+                  <a:lnTo>
+                    <a:pt x="454172" y="532896"/>
+                  </a:lnTo>
+                  <a:lnTo>
+                    <a:pt x="472339" y="551062"/>
+                  </a:lnTo>
+                  <a:lnTo>
+                    <a:pt x="381504" y="629786"/>
+                  </a:lnTo>
+                  <a:lnTo>
+                    <a:pt x="381504" y="684286"/>
+                  </a:lnTo>
+                  <a:lnTo>
+                    <a:pt x="169557" y="805399"/>
+                  </a:lnTo>
+                  <a:lnTo>
+                    <a:pt x="12111" y="884122"/>
+                  </a:lnTo>
+                  <a:cubicBezTo>
+                    <a:pt x="10092" y="1855041"/>
+                    <a:pt x="8074" y="2825961"/>
+                    <a:pt x="6055" y="3796880"/>
+                  </a:cubicBezTo>
+                  <a:lnTo>
+                    <a:pt x="545006" y="3778713"/>
+                  </a:lnTo>
+                  <a:lnTo>
+                    <a:pt x="545006" y="12111"/>
+                  </a:lnTo>
+                  <a:lnTo>
+                    <a:pt x="0" y="0"/>
+                  </a:lnTo>
+                  <a:close/>
+                </a:path>
+              </a:pathLst>
+            </a:custGeom>
+            <a:solidFill>
+              <a:schemeClr val="bg1"/>
+            </a:solidFill>
+            <a:ln>
+              <a:noFill/>
+              <a:prstDash val="sysDash"/>
+              <a:headEnd type="none" w="med" len="med"/>
+              <a:tailEnd type="arrow" w="med" len="med"/>
+            </a:ln>
+          </p:spPr>
+          <p:style>
+            <a:lnRef idx="2">
+              <a:schemeClr val="accent1">
+                <a:shade val="50000"/>
+              </a:schemeClr>
+            </a:lnRef>
+            <a:fillRef idx="1">
+              <a:schemeClr val="accent1"/>
+            </a:fillRef>
+            <a:effectRef idx="0">
+              <a:schemeClr val="accent1"/>
+            </a:effectRef>
+            <a:fontRef idx="minor">
+              <a:schemeClr val="lt1"/>
+            </a:fontRef>
+          </p:style>
+          <p:txBody>
+            <a:bodyPr rtlCol="0" anchor="ctr"/>
+            <a:lstStyle/>
+            <a:p>
+              <a:pPr algn="ctr"/>
+              <a:endParaRPr lang="en-US"/>
+            </a:p>
+          </p:txBody>
+        </p:sp>
+      </p:grpSp>
+      <p:sp>
+        <p:nvSpPr>
+          <p:cNvPr id="10" name="TextBox 9">
+            <a:extLst>
+              <a:ext uri="{FF2B5EF4-FFF2-40B4-BE49-F238E27FC236}">
+                <a16:creationId xmlns:a16="http://schemas.microsoft.com/office/drawing/2014/main" id="{D1381CE9-C506-B3E7-3FB7-390B7CF82FD5}"/>
+              </a:ext>
+            </a:extLst>
+          </p:cNvPr>
+          <p:cNvSpPr txBox="1"/>
+          <p:nvPr/>
+        </p:nvSpPr>
+        <p:spPr>
+          <a:xfrm>
+            <a:off x="8078603" y="5016560"/>
+            <a:ext cx="3456000" cy="230400"/>
+          </a:xfrm>
+          <a:prstGeom prst="rect">
+            <a:avLst/>
+          </a:prstGeom>
+          <a:noFill/>
+        </p:spPr>
+        <p:txBody>
+          <a:bodyPr wrap="square">
+            <a:spAutoFit/>
+          </a:bodyPr>
+          <a:lstStyle/>
+          <a:p>
+            <a:r>
+              <a:rPr lang="en-US" sz="1100" dirty="0"/>
+              <a:t>src: </a:t>
+            </a:r>
+            <a:r>
+              <a:rPr lang="en-US" sz="1100" dirty="0">
+                <a:hlinkClick r:id="rId5"/>
+              </a:rPr>
+              <a:t>https://www.bilibili.tv/en/video/4787736782838275</a:t>
+            </a:r>
+            <a:endParaRPr lang="en-US" sz="1100" dirty="0"/>
+          </a:p>
+        </p:txBody>
+      </p:sp>
     </p:spTree>
     <p:extLst>
       <p:ext uri="{BB962C8B-B14F-4D97-AF65-F5344CB8AC3E}">
@@ -10829,8 +11537,8 @@
           </p:txBody>
         </p:sp>
       </p:grpSp>
-      <mc:AlternateContent xmlns:mc="http://schemas.openxmlformats.org/markup-compatibility/2006">
-        <mc:Choice xmlns:a14="http://schemas.microsoft.com/office/drawing/2010/main" Requires="a14">
+      <mc:AlternateContent xmlns:mc="http://schemas.openxmlformats.org/markup-compatibility/2006" xmlns:a14="http://schemas.microsoft.com/office/drawing/2010/main">
+        <mc:Choice Requires="a14">
           <p:sp>
             <p:nvSpPr>
               <p:cNvPr id="12" name="CasellaDiTesto 11">
@@ -11032,7 +11740,7 @@
             </p:txBody>
           </p:sp>
         </mc:Choice>
-        <mc:Fallback>
+        <mc:Fallback xmlns="">
           <p:sp>
             <p:nvSpPr>
               <p:cNvPr id="12" name="CasellaDiTesto 11">
@@ -11077,8 +11785,8 @@
           </p:sp>
         </mc:Fallback>
       </mc:AlternateContent>
-      <mc:AlternateContent xmlns:mc="http://schemas.openxmlformats.org/markup-compatibility/2006">
-        <mc:Choice xmlns:a14="http://schemas.microsoft.com/office/drawing/2010/main" Requires="a14">
+      <mc:AlternateContent xmlns:mc="http://schemas.openxmlformats.org/markup-compatibility/2006" xmlns:a14="http://schemas.microsoft.com/office/drawing/2010/main">
+        <mc:Choice Requires="a14">
           <p:sp>
             <p:nvSpPr>
               <p:cNvPr id="13" name="CasellaDiTesto 12">
@@ -11187,7 +11895,7 @@
             </p:txBody>
           </p:sp>
         </mc:Choice>
-        <mc:Fallback>
+        <mc:Fallback xmlns="">
           <p:sp>
             <p:nvSpPr>
               <p:cNvPr id="13" name="CasellaDiTesto 12">
@@ -12381,8 +13089,8 @@
         </p:nvSpPr>
         <p:spPr>
           <a:xfrm>
-            <a:off x="838200" y="1531044"/>
-            <a:ext cx="10515599" cy="4116512"/>
+            <a:off x="838201" y="1531044"/>
+            <a:ext cx="8162580" cy="4165243"/>
           </a:xfrm>
           <a:prstGeom prst="rect">
             <a:avLst/>
@@ -12407,19 +13115,19 @@
               </a:tabLst>
             </a:pPr>
             <a:r>
-              <a:rPr lang="en-GB" sz="2600" spc="-5" dirty="0">
+              <a:rPr lang="en-GB" sz="2400" spc="-5" dirty="0">
                 <a:cs typeface="Calibri"/>
               </a:rPr>
               <a:t>What happens when a </a:t>
             </a:r>
             <a:r>
-              <a:rPr lang="en-GB" sz="2600" b="1" spc="-5" dirty="0">
+              <a:rPr lang="en-GB" sz="2400" b="1" spc="-5" dirty="0">
                 <a:cs typeface="Calibri"/>
               </a:rPr>
               <a:t>concept drift</a:t>
             </a:r>
             <a:r>
-              <a:rPr lang="en-GB" sz="2600" spc="-5" dirty="0">
+              <a:rPr lang="en-GB" sz="2400" spc="-5" dirty="0">
                 <a:cs typeface="Calibri"/>
               </a:rPr>
               <a:t> occurs?</a:t>
@@ -12427,9 +13135,6 @@
           </a:p>
           <a:p>
             <a:pPr marL="927100" lvl="1" indent="-457200">
-              <a:lnSpc>
-                <a:spcPct val="150000"/>
-              </a:lnSpc>
               <a:spcBef>
                 <a:spcPts val="100"/>
               </a:spcBef>
@@ -12442,36 +13147,13 @@
               </a:tabLst>
             </a:pPr>
             <a:r>
-              <a:rPr lang="en-GB" sz="2600" spc="-5" dirty="0">
+              <a:rPr lang="en-GB" sz="2400" spc="-5" dirty="0">
                 <a:solidFill>
                   <a:srgbClr val="C00000"/>
                 </a:solidFill>
                 <a:cs typeface="Calibri"/>
               </a:rPr>
               <a:t>The nodes are no longer representative of the current concept</a:t>
-            </a:r>
-          </a:p>
-          <a:p>
-            <a:pPr marL="469900" indent="-457200">
-              <a:lnSpc>
-                <a:spcPct val="150000"/>
-              </a:lnSpc>
-              <a:spcBef>
-                <a:spcPts val="100"/>
-              </a:spcBef>
-              <a:buSzPct val="75000"/>
-              <a:buFont typeface="Arial" panose="020B0604020202020204" pitchFamily="34" charset="0"/>
-              <a:buChar char="•"/>
-              <a:tabLst>
-                <a:tab pos="354965" algn="l"/>
-                <a:tab pos="355600" algn="l"/>
-              </a:tabLst>
-            </a:pPr>
-            <a:r>
-              <a:rPr lang="en-GB" sz="2600" spc="-5" dirty="0">
-                <a:cs typeface="Calibri"/>
-              </a:rPr>
-              <a:t>CVFDT keeps its model consistent with a sliding window of w samples</a:t>
             </a:r>
           </a:p>
           <a:p>
@@ -12488,10 +13170,10 @@
               </a:tabLst>
             </a:pPr>
             <a:r>
-              <a:rPr lang="en-GB" sz="2600" spc="-5" dirty="0">
+              <a:rPr lang="en-GB" sz="2400" spc="-5" dirty="0">
                 <a:cs typeface="Calibri"/>
               </a:rPr>
-              <a:t>It constructs “alternative branches” as preparation for changes</a:t>
+              <a:t>CVFDT keeps its model consistent with a sliding window of w samples</a:t>
             </a:r>
           </a:p>
           <a:p>
@@ -12508,11 +13190,34 @@
               </a:tabLst>
             </a:pPr>
             <a:r>
-              <a:rPr lang="en-GB" sz="2600" spc="-5" dirty="0">
+              <a:rPr lang="en-GB" sz="2400" spc="-5" dirty="0">
+                <a:cs typeface="Calibri"/>
+              </a:rPr>
+              <a:t>It constructs “alternative branches” as preparation for changes</a:t>
+            </a:r>
+          </a:p>
+          <a:p>
+            <a:pPr marL="469900" indent="-457200">
+              <a:spcBef>
+                <a:spcPts val="100"/>
+              </a:spcBef>
+              <a:buSzPct val="75000"/>
+              <a:buFont typeface="Arial" panose="020B0604020202020204" pitchFamily="34" charset="0"/>
+              <a:buChar char="•"/>
+              <a:tabLst>
+                <a:tab pos="354965" algn="l"/>
+                <a:tab pos="355600" algn="l"/>
+              </a:tabLst>
+            </a:pPr>
+            <a:r>
+              <a:rPr lang="en-GB" sz="2400" spc="-5" dirty="0">
                 <a:cs typeface="Calibri"/>
               </a:rPr>
               <a:t>If the alternative branch becomes more accurate, switch of tree branches</a:t>
             </a:r>
+            <a:endParaRPr lang="en-GB" sz="2400" b="1" spc="-5" dirty="0">
+              <a:cs typeface="Calibri"/>
+            </a:endParaRPr>
           </a:p>
           <a:p>
             <a:pPr marL="12700">
@@ -12525,28 +13230,13 @@
                 <a:tab pos="355600" algn="l"/>
               </a:tabLst>
             </a:pPr>
-            <a:endParaRPr lang="en-GB" sz="2600" b="1" spc="-5" dirty="0">
-              <a:cs typeface="Calibri"/>
-            </a:endParaRPr>
-          </a:p>
-          <a:p>
-            <a:pPr marL="12700">
-              <a:spcBef>
-                <a:spcPts val="100"/>
-              </a:spcBef>
-              <a:buSzPct val="75000"/>
-              <a:tabLst>
-                <a:tab pos="354965" algn="l"/>
-                <a:tab pos="355600" algn="l"/>
-              </a:tabLst>
-            </a:pPr>
-            <a:r>
-              <a:rPr lang="en-GB" sz="2600" b="1" spc="-5" dirty="0">
+            <a:r>
+              <a:rPr lang="en-GB" sz="2400" b="1" spc="-5" dirty="0">
                 <a:cs typeface="Calibri"/>
               </a:rPr>
               <a:t>Cons:</a:t>
             </a:r>
-            <a:endParaRPr lang="en-GB" sz="2600" spc="-5" dirty="0">
+            <a:endParaRPr lang="en-GB" sz="2400" spc="-5" dirty="0">
               <a:cs typeface="Calibri"/>
             </a:endParaRPr>
           </a:p>
@@ -12564,7 +13254,7 @@
               </a:tabLst>
             </a:pPr>
             <a:r>
-              <a:rPr lang="en-GB" sz="2600" spc="-5" dirty="0">
+              <a:rPr lang="en-GB" sz="2400" spc="-5" dirty="0">
                 <a:cs typeface="Calibri"/>
               </a:rPr>
               <a:t>No theoretical guarantees on the error rate of CVFDT</a:t>
@@ -12584,7 +13274,7 @@
               </a:tabLst>
             </a:pPr>
             <a:r>
-              <a:rPr lang="en-GB" sz="2600" spc="-5" dirty="0">
+              <a:rPr lang="en-GB" sz="2400" spc="-5" dirty="0">
                 <a:cs typeface="Calibri"/>
               </a:rPr>
               <a:t>W is fixed</a:t>
@@ -12592,6 +13282,116 @@
           </a:p>
         </p:txBody>
       </p:sp>
+      <p:grpSp>
+        <p:nvGrpSpPr>
+          <p:cNvPr id="7" name="Gruppo 6">
+            <a:extLst>
+              <a:ext uri="{FF2B5EF4-FFF2-40B4-BE49-F238E27FC236}">
+                <a16:creationId xmlns:a16="http://schemas.microsoft.com/office/drawing/2014/main" id="{3CDB34F5-A765-868D-A2B5-426335628B4D}"/>
+              </a:ext>
+            </a:extLst>
+          </p:cNvPr>
+          <p:cNvGrpSpPr/>
+          <p:nvPr/>
+        </p:nvGrpSpPr>
+        <p:grpSpPr>
+          <a:xfrm>
+            <a:off x="9213056" y="1690688"/>
+            <a:ext cx="2898942" cy="3852000"/>
+            <a:chOff x="9213056" y="1690688"/>
+            <a:chExt cx="2898942" cy="3852000"/>
+          </a:xfrm>
+        </p:grpSpPr>
+        <p:pic>
+          <p:nvPicPr>
+            <p:cNvPr id="2" name="Picture 4" descr="Steam Community :: :: Grut">
+              <a:extLst>
+                <a:ext uri="{FF2B5EF4-FFF2-40B4-BE49-F238E27FC236}">
+                  <a16:creationId xmlns:a16="http://schemas.microsoft.com/office/drawing/2014/main" id="{2E75D6BB-3BDD-E085-AD3D-5A7E383E79AE}"/>
+                </a:ext>
+              </a:extLst>
+            </p:cNvPr>
+            <p:cNvPicPr>
+              <a:picLocks noChangeAspect="1" noChangeArrowheads="1"/>
+            </p:cNvPicPr>
+            <p:nvPr/>
+          </p:nvPicPr>
+          <p:blipFill>
+            <a:blip r:embed="rId3">
+              <a:extLst>
+                <a:ext uri="{28A0092B-C50C-407E-A947-70E740481C1C}">
+                  <a14:useLocalDpi xmlns:a14="http://schemas.microsoft.com/office/drawing/2010/main" val="0"/>
+                </a:ext>
+              </a:extLst>
+            </a:blip>
+            <a:srcRect/>
+            <a:stretch>
+              <a:fillRect/>
+            </a:stretch>
+          </p:blipFill>
+          <p:spPr bwMode="auto">
+            <a:xfrm>
+              <a:off x="9213056" y="1791546"/>
+              <a:ext cx="2739674" cy="3655155"/>
+            </a:xfrm>
+            <a:prstGeom prst="rect">
+              <a:avLst/>
+            </a:prstGeom>
+            <a:noFill/>
+            <a:extLst>
+              <a:ext uri="{909E8E84-426E-40DD-AFC4-6F175D3DCCD1}">
+                <a14:hiddenFill xmlns:a14="http://schemas.microsoft.com/office/drawing/2010/main">
+                  <a:solidFill>
+                    <a:srgbClr val="FFFFFF"/>
+                  </a:solidFill>
+                </a14:hiddenFill>
+              </a:ext>
+            </a:extLst>
+          </p:spPr>
+        </p:pic>
+        <p:sp>
+          <p:nvSpPr>
+            <p:cNvPr id="6" name="TextBox 6">
+              <a:extLst>
+                <a:ext uri="{FF2B5EF4-FFF2-40B4-BE49-F238E27FC236}">
+                  <a16:creationId xmlns:a16="http://schemas.microsoft.com/office/drawing/2014/main" id="{6D848E52-B5C9-E150-62D7-8C7E0C29F876}"/>
+                </a:ext>
+              </a:extLst>
+            </p:cNvPr>
+            <p:cNvSpPr txBox="1"/>
+            <p:nvPr/>
+          </p:nvSpPr>
+          <p:spPr>
+            <a:xfrm rot="16200000">
+              <a:off x="10070798" y="3501488"/>
+              <a:ext cx="3852000" cy="230400"/>
+            </a:xfrm>
+            <a:prstGeom prst="rect">
+              <a:avLst/>
+            </a:prstGeom>
+            <a:noFill/>
+          </p:spPr>
+          <p:txBody>
+            <a:bodyPr wrap="square">
+              <a:spAutoFit/>
+            </a:bodyPr>
+            <a:lstStyle/>
+            <a:p>
+              <a:r>
+                <a:rPr lang="en-US" sz="1100" dirty="0"/>
+                <a:t>src: </a:t>
+              </a:r>
+              <a:r>
+                <a:rPr lang="en-US" sz="1100" dirty="0">
+                  <a:hlinkClick r:id="rId4"/>
+                </a:rPr>
+                <a:t>https://giphy.com/gifs/dance-dancing-groot-JwTqLNfrx4OPe</a:t>
+              </a:r>
+              <a:endParaRPr lang="en-US" sz="1100" dirty="0"/>
+            </a:p>
+          </p:txBody>
+        </p:sp>
+      </p:grpSp>
     </p:spTree>
     <p:extLst>
       <p:ext uri="{BB962C8B-B14F-4D97-AF65-F5344CB8AC3E}">
@@ -12819,8 +13619,8 @@
         </p:nvSpPr>
         <p:spPr>
           <a:xfrm>
-            <a:off x="838200" y="1531044"/>
-            <a:ext cx="10515599" cy="4103688"/>
+            <a:off x="838201" y="1531044"/>
+            <a:ext cx="8297738" cy="4152419"/>
           </a:xfrm>
           <a:prstGeom prst="rect">
             <a:avLst/>
@@ -12845,7 +13645,7 @@
               </a:tabLst>
             </a:pPr>
             <a:r>
-              <a:rPr lang="en-GB" sz="2600" spc="-5" dirty="0">
+              <a:rPr lang="en-GB" sz="2400" spc="-5" dirty="0">
                 <a:cs typeface="Calibri"/>
               </a:rPr>
               <a:t>Replace frequency statistics counters by estimators</a:t>
@@ -12865,7 +13665,7 @@
               </a:tabLst>
             </a:pPr>
             <a:r>
-              <a:rPr lang="en-GB" sz="2600" spc="-5" dirty="0">
+              <a:rPr lang="en-GB" sz="2400" spc="-5" dirty="0">
                 <a:cs typeface="Calibri"/>
               </a:rPr>
               <a:t>Don’t need a window to store examples, since it maintains the statistics data needed with estimators</a:t>
@@ -12885,7 +13685,7 @@
               </a:tabLst>
             </a:pPr>
             <a:r>
-              <a:rPr lang="en-GB" sz="2600" spc="-5" dirty="0">
+              <a:rPr lang="en-GB" sz="2400" spc="-5" dirty="0">
                 <a:cs typeface="Calibri"/>
               </a:rPr>
               <a:t>Change the way of checking the substitution of alternate subtrees, using  a change detector with theoretical guarantees (ADWIN)</a:t>
@@ -12905,17 +13705,20 @@
               </a:tabLst>
             </a:pPr>
             <a:r>
-              <a:rPr lang="en-GB" sz="2600" spc="-5" dirty="0">
+              <a:rPr lang="en-GB" sz="2400" spc="-5" dirty="0">
                 <a:cs typeface="Calibri"/>
               </a:rPr>
               <a:t>Keeps sliding window consistent with the </a:t>
             </a:r>
             <a:r>
-              <a:rPr lang="en-GB" sz="2600" i="1" spc="-5" dirty="0">
+              <a:rPr lang="en-GB" sz="2400" i="1" spc="-5" dirty="0">
                 <a:cs typeface="Calibri"/>
               </a:rPr>
               <a:t>no-change hypothesis</a:t>
             </a:r>
+            <a:endParaRPr lang="en-GB" sz="2400" b="1" spc="-5" dirty="0">
+              <a:cs typeface="Calibri"/>
+            </a:endParaRPr>
           </a:p>
           <a:p>
             <a:pPr marL="12700">
@@ -12928,28 +13731,13 @@
                 <a:tab pos="355600" algn="l"/>
               </a:tabLst>
             </a:pPr>
-            <a:endParaRPr lang="en-GB" sz="2600" b="1" spc="-5" dirty="0">
-              <a:cs typeface="Calibri"/>
-            </a:endParaRPr>
-          </a:p>
-          <a:p>
-            <a:pPr marL="12700">
-              <a:spcBef>
-                <a:spcPts val="100"/>
-              </a:spcBef>
-              <a:buSzPct val="75000"/>
-              <a:tabLst>
-                <a:tab pos="354965" algn="l"/>
-                <a:tab pos="355600" algn="l"/>
-              </a:tabLst>
-            </a:pPr>
-            <a:r>
-              <a:rPr lang="en-GB" sz="2600" b="1" spc="-5" dirty="0">
+            <a:r>
+              <a:rPr lang="en-GB" sz="2400" b="1" spc="-5" dirty="0">
                 <a:cs typeface="Calibri"/>
               </a:rPr>
               <a:t>Pro:</a:t>
             </a:r>
-            <a:endParaRPr lang="en-GB" sz="2600" spc="-5" dirty="0">
+            <a:endParaRPr lang="en-GB" sz="2400" spc="-5" dirty="0">
               <a:cs typeface="Calibri"/>
             </a:endParaRPr>
           </a:p>
@@ -12967,7 +13755,7 @@
               </a:tabLst>
             </a:pPr>
             <a:r>
-              <a:rPr lang="en-GB" sz="2600" spc="-5" dirty="0">
+              <a:rPr lang="en-GB" sz="2400" spc="-5" dirty="0">
                 <a:cs typeface="Calibri"/>
               </a:rPr>
               <a:t>Theoretical guarantees</a:t>
@@ -12987,7 +13775,7 @@
               </a:tabLst>
             </a:pPr>
             <a:r>
-              <a:rPr lang="en-GB" sz="2600" spc="-5" dirty="0">
+              <a:rPr lang="en-GB" sz="2400" spc="-5" dirty="0">
                 <a:cs typeface="Calibri"/>
               </a:rPr>
               <a:t>No Parameters</a:t>
@@ -12995,6 +13783,116 @@
           </a:p>
         </p:txBody>
       </p:sp>
+      <p:grpSp>
+        <p:nvGrpSpPr>
+          <p:cNvPr id="2" name="Gruppo 1">
+            <a:extLst>
+              <a:ext uri="{FF2B5EF4-FFF2-40B4-BE49-F238E27FC236}">
+                <a16:creationId xmlns:a16="http://schemas.microsoft.com/office/drawing/2014/main" id="{6B6176AA-6678-DE16-445E-2DD67845E1F4}"/>
+              </a:ext>
+            </a:extLst>
+          </p:cNvPr>
+          <p:cNvGrpSpPr/>
+          <p:nvPr/>
+        </p:nvGrpSpPr>
+        <p:grpSpPr>
+          <a:xfrm>
+            <a:off x="9213056" y="1690688"/>
+            <a:ext cx="2898942" cy="3852000"/>
+            <a:chOff x="9213056" y="1690688"/>
+            <a:chExt cx="2898942" cy="3852000"/>
+          </a:xfrm>
+        </p:grpSpPr>
+        <p:pic>
+          <p:nvPicPr>
+            <p:cNvPr id="6" name="Picture 4" descr="Steam Community :: :: Grut">
+              <a:extLst>
+                <a:ext uri="{FF2B5EF4-FFF2-40B4-BE49-F238E27FC236}">
+                  <a16:creationId xmlns:a16="http://schemas.microsoft.com/office/drawing/2014/main" id="{2CC0BB36-B255-29DC-E620-222316C635B0}"/>
+                </a:ext>
+              </a:extLst>
+            </p:cNvPr>
+            <p:cNvPicPr>
+              <a:picLocks noChangeAspect="1" noChangeArrowheads="1"/>
+            </p:cNvPicPr>
+            <p:nvPr/>
+          </p:nvPicPr>
+          <p:blipFill>
+            <a:blip r:embed="rId3">
+              <a:extLst>
+                <a:ext uri="{28A0092B-C50C-407E-A947-70E740481C1C}">
+                  <a14:useLocalDpi xmlns:a14="http://schemas.microsoft.com/office/drawing/2010/main" val="0"/>
+                </a:ext>
+              </a:extLst>
+            </a:blip>
+            <a:srcRect/>
+            <a:stretch>
+              <a:fillRect/>
+            </a:stretch>
+          </p:blipFill>
+          <p:spPr bwMode="auto">
+            <a:xfrm>
+              <a:off x="9213056" y="1791546"/>
+              <a:ext cx="2739674" cy="3655155"/>
+            </a:xfrm>
+            <a:prstGeom prst="rect">
+              <a:avLst/>
+            </a:prstGeom>
+            <a:noFill/>
+            <a:extLst>
+              <a:ext uri="{909E8E84-426E-40DD-AFC4-6F175D3DCCD1}">
+                <a14:hiddenFill xmlns:a14="http://schemas.microsoft.com/office/drawing/2010/main">
+                  <a:solidFill>
+                    <a:srgbClr val="FFFFFF"/>
+                  </a:solidFill>
+                </a14:hiddenFill>
+              </a:ext>
+            </a:extLst>
+          </p:spPr>
+        </p:pic>
+        <p:sp>
+          <p:nvSpPr>
+            <p:cNvPr id="7" name="TextBox 6">
+              <a:extLst>
+                <a:ext uri="{FF2B5EF4-FFF2-40B4-BE49-F238E27FC236}">
+                  <a16:creationId xmlns:a16="http://schemas.microsoft.com/office/drawing/2014/main" id="{0EAAD300-88A8-8AB8-5AB3-231DE9DDA916}"/>
+                </a:ext>
+              </a:extLst>
+            </p:cNvPr>
+            <p:cNvSpPr txBox="1"/>
+            <p:nvPr/>
+          </p:nvSpPr>
+          <p:spPr>
+            <a:xfrm rot="16200000">
+              <a:off x="10070798" y="3501488"/>
+              <a:ext cx="3852000" cy="230400"/>
+            </a:xfrm>
+            <a:prstGeom prst="rect">
+              <a:avLst/>
+            </a:prstGeom>
+            <a:noFill/>
+          </p:spPr>
+          <p:txBody>
+            <a:bodyPr wrap="square">
+              <a:spAutoFit/>
+            </a:bodyPr>
+            <a:lstStyle/>
+            <a:p>
+              <a:r>
+                <a:rPr lang="en-US" sz="1100" dirty="0"/>
+                <a:t>src: </a:t>
+              </a:r>
+              <a:r>
+                <a:rPr lang="en-US" sz="1100" dirty="0">
+                  <a:hlinkClick r:id="rId4"/>
+                </a:rPr>
+                <a:t>https://giphy.com/gifs/dance-dancing-groot-JwTqLNfrx4OPe</a:t>
+              </a:r>
+              <a:endParaRPr lang="en-US" sz="1100" dirty="0"/>
+            </a:p>
+          </p:txBody>
+        </p:sp>
+      </p:grpSp>
     </p:spTree>
     <p:extLst>
       <p:ext uri="{BB962C8B-B14F-4D97-AF65-F5344CB8AC3E}">
@@ -13135,7 +14033,7 @@
         <p:spPr>
           <a:xfrm>
             <a:off x="838200" y="1531044"/>
-            <a:ext cx="10515599" cy="4488408"/>
+            <a:ext cx="10515599" cy="4796185"/>
           </a:xfrm>
           <a:prstGeom prst="rect">
             <a:avLst/>
@@ -13369,7 +14267,18 @@
               <a:rPr lang="en-GB" sz="2000" spc="-5" dirty="0">
                 <a:cs typeface="Calibri"/>
               </a:rPr>
-              <a:t>Different implementations with different search spaces and hyperparameter optimizations:</a:t>
+              <a:t>Different implementations with different search</a:t>
+            </a:r>
+            <a:br>
+              <a:rPr lang="en-GB" sz="2000" spc="-5" dirty="0">
+                <a:cs typeface="Calibri"/>
+              </a:rPr>
+            </a:br>
+            <a:r>
+              <a:rPr lang="en-GB" sz="2000" spc="-5" dirty="0">
+                <a:cs typeface="Calibri"/>
+              </a:rPr>
+              <a:t>spaces and hyperparameter optimizations:</a:t>
             </a:r>
           </a:p>
           <a:p>
@@ -13471,6 +14380,103 @@
               </a:rPr>
               <a:t>H2O</a:t>
             </a:r>
+          </a:p>
+        </p:txBody>
+      </p:sp>
+      <p:pic>
+        <p:nvPicPr>
+          <p:cNvPr id="2" name="Immagine 1">
+            <a:extLst>
+              <a:ext uri="{FF2B5EF4-FFF2-40B4-BE49-F238E27FC236}">
+                <a16:creationId xmlns:a16="http://schemas.microsoft.com/office/drawing/2014/main" id="{678AFEC8-82C9-33FF-14CD-B78022A5F509}"/>
+              </a:ext>
+            </a:extLst>
+          </p:cNvPr>
+          <p:cNvPicPr>
+            <a:picLocks noChangeAspect="1"/>
+          </p:cNvPicPr>
+          <p:nvPr/>
+        </p:nvPicPr>
+        <p:blipFill>
+          <a:blip r:embed="rId3"/>
+          <a:stretch>
+            <a:fillRect/>
+          </a:stretch>
+        </p:blipFill>
+        <p:spPr>
+          <a:xfrm>
+            <a:off x="6660117" y="2539849"/>
+            <a:ext cx="4951641" cy="2787107"/>
+          </a:xfrm>
+          <a:prstGeom prst="rect">
+            <a:avLst/>
+          </a:prstGeom>
+        </p:spPr>
+      </p:pic>
+      <p:sp>
+        <p:nvSpPr>
+          <p:cNvPr id="6" name="TextBox 11">
+            <a:extLst>
+              <a:ext uri="{FF2B5EF4-FFF2-40B4-BE49-F238E27FC236}">
+                <a16:creationId xmlns:a16="http://schemas.microsoft.com/office/drawing/2014/main" id="{7EFDD945-0926-97FA-C08F-777F8602C6AD}"/>
+              </a:ext>
+            </a:extLst>
+          </p:cNvPr>
+          <p:cNvSpPr txBox="1"/>
+          <p:nvPr/>
+        </p:nvSpPr>
+        <p:spPr>
+          <a:xfrm>
+            <a:off x="6975937" y="5356077"/>
+            <a:ext cx="4320000" cy="230400"/>
+          </a:xfrm>
+          <a:prstGeom prst="rect">
+            <a:avLst/>
+          </a:prstGeom>
+          <a:noFill/>
+        </p:spPr>
+        <p:txBody>
+          <a:bodyPr wrap="square">
+            <a:spAutoFit/>
+          </a:bodyPr>
+          <a:lstStyle/>
+          <a:p>
+            <a:pPr algn="r"/>
+            <a:r>
+              <a:rPr lang="en-US" sz="1000" dirty="0"/>
+              <a:t>src: </a:t>
+            </a:r>
+            <a:r>
+              <a:rPr lang="en-US" sz="1000" dirty="0">
+                <a:hlinkClick r:id="rId4"/>
+              </a:rPr>
+              <a:t>https://</a:t>
+            </a:r>
+            <a:r>
+              <a:rPr lang="en-US" sz="1000" dirty="0" err="1">
+                <a:hlinkClick r:id="rId4"/>
+              </a:rPr>
+              <a:t>www.pexels.com</a:t>
+            </a:r>
+            <a:r>
+              <a:rPr lang="en-US" sz="1000" dirty="0">
+                <a:hlinkClick r:id="rId4"/>
+              </a:rPr>
+              <a:t>/it-it/</a:t>
+            </a:r>
+            <a:r>
+              <a:rPr lang="en-US" sz="1000" dirty="0" err="1">
+                <a:hlinkClick r:id="rId4"/>
+              </a:rPr>
+              <a:t>foto</a:t>
+            </a:r>
+            <a:r>
+              <a:rPr lang="en-US" sz="1000" dirty="0">
+                <a:hlinkClick r:id="rId4"/>
+              </a:rPr>
+              <a:t>/radio-a-transistor-grigia-e-nera-157557/</a:t>
+            </a:r>
+            <a:endParaRPr lang="en-US" sz="1000" dirty="0"/>
           </a:p>
         </p:txBody>
       </p:sp>
